--- a/figure5.pptx
+++ b/figure5.pptx
@@ -5,10 +5,11 @@
     <p:sldMasterId id="2147483648" r:id="rId1"/>
   </p:sldMasterIdLst>
   <p:notesMasterIdLst>
-    <p:notesMasterId r:id="rId3"/>
+    <p:notesMasterId r:id="rId4"/>
   </p:notesMasterIdLst>
   <p:sldIdLst>
     <p:sldId id="256" r:id="rId2"/>
+    <p:sldId id="257" r:id="rId3"/>
   </p:sldIdLst>
   <p:sldSz cx="18380075" cy="12957175"/>
   <p:notesSz cx="6858000" cy="9144000"/>
@@ -107,6 +108,22 @@
       </a:defRPr>
     </a:lvl9pPr>
   </p:defaultTextStyle>
+  <p:extLst>
+    <p:ext uri="{EFAFB233-063F-42B5-8137-9DF3F51BA10A}">
+      <p15:sldGuideLst xmlns:p15="http://schemas.microsoft.com/office/powerpoint/2012/main">
+        <p15:guide id="1" orient="horz" pos="4081">
+          <p15:clr>
+            <a:srgbClr val="A4A3A4"/>
+          </p15:clr>
+        </p15:guide>
+        <p15:guide id="2" pos="5790">
+          <p15:clr>
+            <a:srgbClr val="A4A3A4"/>
+          </p15:clr>
+        </p15:guide>
+      </p15:sldGuideLst>
+    </p:ext>
+  </p:extLst>
 </p:presentation>
 </file>
 
@@ -3835,8 +3852,9 @@
             </a:solidFill>
             <a:ln w="76200">
               <a:solidFill>
-                <a:srgbClr val="00B050"/>
+                <a:schemeClr val="tx1"/>
               </a:solidFill>
+              <a:prstDash val="sysDash"/>
             </a:ln>
           </p:spPr>
           <p:style>
@@ -3967,58 +3985,6 @@
       </p:grpSp>
       <p:sp>
         <p:nvSpPr>
-          <p:cNvPr id="42" name="Flowchart: Preparation 41"/>
-          <p:cNvSpPr/>
-          <p:nvPr/>
-        </p:nvSpPr>
-        <p:spPr>
-          <a:xfrm rot="5400000" flipV="1">
-            <a:off x="3876280" y="6510393"/>
-            <a:ext cx="12750992" cy="142278"/>
-          </a:xfrm>
-          <a:prstGeom prst="flowChartPreparation">
-            <a:avLst/>
-          </a:prstGeom>
-          <a:solidFill>
-            <a:srgbClr val="238B45">
-              <a:alpha val="25000"/>
-            </a:srgbClr>
-          </a:solidFill>
-          <a:ln>
-            <a:solidFill>
-              <a:srgbClr val="238B45">
-                <a:alpha val="31000"/>
-              </a:srgbClr>
-            </a:solidFill>
-          </a:ln>
-        </p:spPr>
-        <p:style>
-          <a:lnRef idx="2">
-            <a:schemeClr val="accent1">
-              <a:shade val="50000"/>
-            </a:schemeClr>
-          </a:lnRef>
-          <a:fillRef idx="1">
-            <a:schemeClr val="accent1"/>
-          </a:fillRef>
-          <a:effectRef idx="0">
-            <a:schemeClr val="accent1"/>
-          </a:effectRef>
-          <a:fontRef idx="minor">
-            <a:schemeClr val="lt1"/>
-          </a:fontRef>
-        </p:style>
-        <p:txBody>
-          <a:bodyPr rtlCol="0" anchor="ctr"/>
-          <a:lstStyle/>
-          <a:p>
-            <a:pPr algn="ctr"/>
-            <a:endParaRPr lang="en-US"/>
-          </a:p>
-        </p:txBody>
-      </p:sp>
-      <p:sp>
-        <p:nvSpPr>
           <p:cNvPr id="43" name="Flowchart: Alternate Process 42"/>
           <p:cNvSpPr/>
           <p:nvPr/>
@@ -4250,10 +4216,1148 @@
           </a:p>
         </p:txBody>
       </p:sp>
+      <p:cxnSp>
+        <p:nvCxnSpPr>
+          <p:cNvPr id="3" name="Straight Connector 2"/>
+          <p:cNvCxnSpPr/>
+          <p:nvPr/>
+        </p:nvCxnSpPr>
+        <p:spPr>
+          <a:xfrm>
+            <a:off x="10104437" y="612020"/>
+            <a:ext cx="0" cy="11960434"/>
+          </a:xfrm>
+          <a:prstGeom prst="line">
+            <a:avLst/>
+          </a:prstGeom>
+          <a:ln w="142875" cap="rnd">
+            <a:solidFill>
+              <a:srgbClr val="238B45">
+                <a:alpha val="85000"/>
+              </a:srgbClr>
+            </a:solidFill>
+            <a:prstDash val="sysDot"/>
+          </a:ln>
+        </p:spPr>
+        <p:style>
+          <a:lnRef idx="1">
+            <a:schemeClr val="accent1"/>
+          </a:lnRef>
+          <a:fillRef idx="0">
+            <a:schemeClr val="accent1"/>
+          </a:fillRef>
+          <a:effectRef idx="0">
+            <a:schemeClr val="accent1"/>
+          </a:effectRef>
+          <a:fontRef idx="minor">
+            <a:schemeClr val="tx1"/>
+          </a:fontRef>
+        </p:style>
+      </p:cxnSp>
     </p:spTree>
     <p:extLst>
       <p:ext uri="{BB962C8B-B14F-4D97-AF65-F5344CB8AC3E}">
         <p14:creationId xmlns:p14="http://schemas.microsoft.com/office/powerpoint/2010/main" val="4126907988"/>
+      </p:ext>
+    </p:extLst>
+  </p:cSld>
+  <p:clrMapOvr>
+    <a:masterClrMapping/>
+  </p:clrMapOvr>
+  <p:timing>
+    <p:tnLst>
+      <p:par>
+        <p:cTn id="1" dur="indefinite" restart="never" nodeType="tmRoot"/>
+      </p:par>
+    </p:tnLst>
+  </p:timing>
+</p:sld>
+</file>
+
+<file path=ppt/slides/slide2.xml><?xml version="1.0" encoding="utf-8"?>
+<p:sld xmlns:a="http://schemas.openxmlformats.org/drawingml/2006/main" xmlns:r="http://schemas.openxmlformats.org/officeDocument/2006/relationships" xmlns:p="http://schemas.openxmlformats.org/presentationml/2006/main">
+  <p:cSld>
+    <p:spTree>
+      <p:nvGrpSpPr>
+        <p:cNvPr id="1" name=""/>
+        <p:cNvGrpSpPr/>
+        <p:nvPr/>
+      </p:nvGrpSpPr>
+      <p:grpSpPr>
+        <a:xfrm>
+          <a:off x="0" y="0"/>
+          <a:ext cx="0" cy="0"/>
+          <a:chOff x="0" y="0"/>
+          <a:chExt cx="0" cy="0"/>
+        </a:xfrm>
+      </p:grpSpPr>
+      <p:pic>
+        <p:nvPicPr>
+          <p:cNvPr id="26" name="Picture 25"/>
+          <p:cNvPicPr>
+            <a:picLocks noChangeAspect="1"/>
+          </p:cNvPicPr>
+          <p:nvPr/>
+        </p:nvPicPr>
+        <p:blipFill rotWithShape="1">
+          <a:blip r:embed="rId2">
+            <a:extLst>
+              <a:ext uri="{28A0092B-C50C-407E-A947-70E740481C1C}">
+                <a14:useLocalDpi xmlns:a14="http://schemas.microsoft.com/office/drawing/2010/main" val="0"/>
+              </a:ext>
+            </a:extLst>
+          </a:blip>
+          <a:srcRect l="6258" t="9563" r="9615" b="10106"/>
+          <a:stretch/>
+        </p:blipFill>
+        <p:spPr>
+          <a:xfrm>
+            <a:off x="61267" y="2649357"/>
+            <a:ext cx="6459720" cy="5898004"/>
+          </a:xfrm>
+          <a:prstGeom prst="rect">
+            <a:avLst/>
+          </a:prstGeom>
+        </p:spPr>
+      </p:pic>
+      <p:grpSp>
+        <p:nvGrpSpPr>
+          <p:cNvPr id="27" name="Group 26"/>
+          <p:cNvGrpSpPr/>
+          <p:nvPr/>
+        </p:nvGrpSpPr>
+        <p:grpSpPr>
+          <a:xfrm>
+            <a:off x="6430041" y="3105786"/>
+            <a:ext cx="3355243" cy="3482595"/>
+            <a:chOff x="10959160" y="4857564"/>
+            <a:chExt cx="2007058" cy="1909417"/>
+          </a:xfrm>
+        </p:grpSpPr>
+        <p:sp>
+          <p:nvSpPr>
+            <p:cNvPr id="28" name="Oval 27"/>
+            <p:cNvSpPr>
+              <a:spLocks noChangeAspect="1"/>
+            </p:cNvSpPr>
+            <p:nvPr/>
+          </p:nvSpPr>
+          <p:spPr>
+            <a:xfrm>
+              <a:off x="10959160" y="4885593"/>
+              <a:ext cx="1881055" cy="1881388"/>
+            </a:xfrm>
+            <a:prstGeom prst="ellipse">
+              <a:avLst/>
+            </a:prstGeom>
+            <a:noFill/>
+            <a:ln w="127000">
+              <a:solidFill>
+                <a:srgbClr val="00B050"/>
+              </a:solidFill>
+            </a:ln>
+          </p:spPr>
+          <p:style>
+            <a:lnRef idx="2">
+              <a:schemeClr val="accent1">
+                <a:shade val="50000"/>
+              </a:schemeClr>
+            </a:lnRef>
+            <a:fillRef idx="1">
+              <a:schemeClr val="accent1"/>
+            </a:fillRef>
+            <a:effectRef idx="0">
+              <a:schemeClr val="accent1"/>
+            </a:effectRef>
+            <a:fontRef idx="minor">
+              <a:schemeClr val="lt1"/>
+            </a:fontRef>
+          </p:style>
+          <p:txBody>
+            <a:bodyPr rtlCol="0" anchor="ctr"/>
+            <a:lstStyle/>
+            <a:p>
+              <a:pPr algn="ctr"/>
+              <a:endParaRPr lang="en-US"/>
+            </a:p>
+          </p:txBody>
+        </p:sp>
+        <p:pic>
+          <p:nvPicPr>
+            <p:cNvPr id="29" name="Picture 28"/>
+            <p:cNvPicPr>
+              <a:picLocks noChangeAspect="1"/>
+            </p:cNvPicPr>
+            <p:nvPr/>
+          </p:nvPicPr>
+          <p:blipFill>
+            <a:blip r:embed="rId3">
+              <a:extLst>
+                <a:ext uri="{28A0092B-C50C-407E-A947-70E740481C1C}">
+                  <a14:useLocalDpi xmlns:a14="http://schemas.microsoft.com/office/drawing/2010/main" val="0"/>
+                </a:ext>
+              </a:extLst>
+            </a:blip>
+            <a:stretch>
+              <a:fillRect/>
+            </a:stretch>
+          </p:blipFill>
+          <p:spPr>
+            <a:xfrm>
+              <a:off x="10959160" y="4857564"/>
+              <a:ext cx="2007058" cy="1909417"/>
+            </a:xfrm>
+            <a:prstGeom prst="rect">
+              <a:avLst/>
+            </a:prstGeom>
+          </p:spPr>
+        </p:pic>
+      </p:grpSp>
+      <p:grpSp>
+        <p:nvGrpSpPr>
+          <p:cNvPr id="30" name="Group 29"/>
+          <p:cNvGrpSpPr/>
+          <p:nvPr/>
+        </p:nvGrpSpPr>
+        <p:grpSpPr>
+          <a:xfrm>
+            <a:off x="10550038" y="11366659"/>
+            <a:ext cx="8074285" cy="1590516"/>
+            <a:chOff x="9275068" y="12692612"/>
+            <a:chExt cx="8933858" cy="1590516"/>
+          </a:xfrm>
+        </p:grpSpPr>
+        <p:pic>
+          <p:nvPicPr>
+            <p:cNvPr id="31" name="Picture 30"/>
+            <p:cNvPicPr>
+              <a:picLocks noChangeAspect="1"/>
+            </p:cNvPicPr>
+            <p:nvPr/>
+          </p:nvPicPr>
+          <p:blipFill rotWithShape="1">
+            <a:blip r:embed="rId4">
+              <a:extLst>
+                <a:ext uri="{28A0092B-C50C-407E-A947-70E740481C1C}">
+                  <a14:useLocalDpi xmlns:a14="http://schemas.microsoft.com/office/drawing/2010/main" val="0"/>
+                </a:ext>
+              </a:extLst>
+            </a:blip>
+            <a:srcRect l="22164" t="8371" r="54524" b="6163"/>
+            <a:stretch/>
+          </p:blipFill>
+          <p:spPr>
+            <a:xfrm rot="5400000">
+              <a:off x="12964278" y="9003402"/>
+              <a:ext cx="812367" cy="8190787"/>
+            </a:xfrm>
+            <a:prstGeom prst="rect">
+              <a:avLst/>
+            </a:prstGeom>
+          </p:spPr>
+        </p:pic>
+        <p:sp>
+          <p:nvSpPr>
+            <p:cNvPr id="32" name="TextBox 31"/>
+            <p:cNvSpPr txBox="1"/>
+            <p:nvPr/>
+          </p:nvSpPr>
+          <p:spPr>
+            <a:xfrm>
+              <a:off x="16722788" y="13513687"/>
+              <a:ext cx="1486138" cy="769441"/>
+            </a:xfrm>
+            <a:prstGeom prst="rect">
+              <a:avLst/>
+            </a:prstGeom>
+            <a:noFill/>
+          </p:spPr>
+          <p:txBody>
+            <a:bodyPr wrap="square" rtlCol="0">
+              <a:spAutoFit/>
+            </a:bodyPr>
+            <a:lstStyle/>
+            <a:p>
+              <a:pPr algn="ctr"/>
+              <a:r>
+                <a:rPr lang="en-US" sz="4400" b="1" dirty="0" smtClean="0"/>
+                <a:t>529</a:t>
+              </a:r>
+              <a:endParaRPr lang="en-US" sz="1600" b="1" dirty="0"/>
+            </a:p>
+          </p:txBody>
+        </p:sp>
+        <p:sp>
+          <p:nvSpPr>
+            <p:cNvPr id="33" name="TextBox 32"/>
+            <p:cNvSpPr txBox="1"/>
+            <p:nvPr/>
+          </p:nvSpPr>
+          <p:spPr>
+            <a:xfrm>
+              <a:off x="15028633" y="13513687"/>
+              <a:ext cx="1486138" cy="769441"/>
+            </a:xfrm>
+            <a:prstGeom prst="rect">
+              <a:avLst/>
+            </a:prstGeom>
+            <a:noFill/>
+          </p:spPr>
+          <p:txBody>
+            <a:bodyPr wrap="square" rtlCol="0">
+              <a:spAutoFit/>
+            </a:bodyPr>
+            <a:lstStyle/>
+            <a:p>
+              <a:r>
+                <a:rPr lang="en-US" sz="4400" b="1" dirty="0" smtClean="0"/>
+                <a:t>396</a:t>
+              </a:r>
+              <a:endParaRPr lang="en-US" sz="1600" b="1" dirty="0"/>
+            </a:p>
+          </p:txBody>
+        </p:sp>
+        <p:sp>
+          <p:nvSpPr>
+            <p:cNvPr id="34" name="TextBox 33"/>
+            <p:cNvSpPr txBox="1"/>
+            <p:nvPr/>
+          </p:nvSpPr>
+          <p:spPr>
+            <a:xfrm>
+              <a:off x="12912152" y="13513687"/>
+              <a:ext cx="1486138" cy="769441"/>
+            </a:xfrm>
+            <a:prstGeom prst="rect">
+              <a:avLst/>
+            </a:prstGeom>
+            <a:noFill/>
+          </p:spPr>
+          <p:txBody>
+            <a:bodyPr wrap="square" rtlCol="0">
+              <a:spAutoFit/>
+            </a:bodyPr>
+            <a:lstStyle/>
+            <a:p>
+              <a:r>
+                <a:rPr lang="en-US" sz="4400" b="1" dirty="0" smtClean="0"/>
+                <a:t>264</a:t>
+              </a:r>
+              <a:endParaRPr lang="en-US" sz="1600" b="1" dirty="0"/>
+            </a:p>
+          </p:txBody>
+        </p:sp>
+        <p:sp>
+          <p:nvSpPr>
+            <p:cNvPr id="35" name="TextBox 34"/>
+            <p:cNvSpPr txBox="1"/>
+            <p:nvPr/>
+          </p:nvSpPr>
+          <p:spPr>
+            <a:xfrm>
+              <a:off x="9564465" y="13513687"/>
+              <a:ext cx="1486138" cy="769441"/>
+            </a:xfrm>
+            <a:prstGeom prst="rect">
+              <a:avLst/>
+            </a:prstGeom>
+            <a:noFill/>
+          </p:spPr>
+          <p:txBody>
+            <a:bodyPr wrap="square" rtlCol="0">
+              <a:spAutoFit/>
+            </a:bodyPr>
+            <a:lstStyle/>
+            <a:p>
+              <a:r>
+                <a:rPr lang="en-US" sz="4400" b="1" dirty="0" smtClean="0"/>
+                <a:t>132</a:t>
+              </a:r>
+              <a:endParaRPr lang="en-US" sz="1600" b="1" dirty="0"/>
+            </a:p>
+          </p:txBody>
+        </p:sp>
+      </p:grpSp>
+      <p:pic>
+        <p:nvPicPr>
+          <p:cNvPr id="36" name="Picture 35"/>
+          <p:cNvPicPr>
+            <a:picLocks noChangeAspect="1"/>
+          </p:cNvPicPr>
+          <p:nvPr/>
+        </p:nvPicPr>
+        <p:blipFill>
+          <a:blip r:embed="rId5">
+            <a:extLst>
+              <a:ext uri="{28A0092B-C50C-407E-A947-70E740481C1C}">
+                <a14:useLocalDpi xmlns:a14="http://schemas.microsoft.com/office/drawing/2010/main" val="0"/>
+              </a:ext>
+            </a:extLst>
+          </a:blip>
+          <a:stretch>
+            <a:fillRect/>
+          </a:stretch>
+        </p:blipFill>
+        <p:spPr>
+          <a:xfrm>
+            <a:off x="11079544" y="2494160"/>
+            <a:ext cx="3624710" cy="3492980"/>
+          </a:xfrm>
+          <a:prstGeom prst="rect">
+            <a:avLst/>
+          </a:prstGeom>
+        </p:spPr>
+      </p:pic>
+      <p:grpSp>
+        <p:nvGrpSpPr>
+          <p:cNvPr id="37" name="Group 36"/>
+          <p:cNvGrpSpPr/>
+          <p:nvPr/>
+        </p:nvGrpSpPr>
+        <p:grpSpPr>
+          <a:xfrm>
+            <a:off x="10893492" y="2942783"/>
+            <a:ext cx="7197431" cy="8130670"/>
+            <a:chOff x="9995038" y="4753567"/>
+            <a:chExt cx="7197431" cy="8130670"/>
+          </a:xfrm>
+        </p:grpSpPr>
+        <p:pic>
+          <p:nvPicPr>
+            <p:cNvPr id="38" name="Picture 37"/>
+            <p:cNvPicPr>
+              <a:picLocks noChangeAspect="1"/>
+            </p:cNvPicPr>
+            <p:nvPr/>
+          </p:nvPicPr>
+          <p:blipFill rotWithShape="1">
+            <a:blip r:embed="rId6">
+              <a:extLst>
+                <a:ext uri="{28A0092B-C50C-407E-A947-70E740481C1C}">
+                  <a14:useLocalDpi xmlns:a14="http://schemas.microsoft.com/office/drawing/2010/main" val="0"/>
+                </a:ext>
+              </a:extLst>
+            </a:blip>
+            <a:srcRect l="3503" r="8567"/>
+            <a:stretch/>
+          </p:blipFill>
+          <p:spPr>
+            <a:xfrm>
+              <a:off x="9995038" y="5110199"/>
+              <a:ext cx="7197431" cy="7774038"/>
+            </a:xfrm>
+            <a:prstGeom prst="rect">
+              <a:avLst/>
+            </a:prstGeom>
+          </p:spPr>
+        </p:pic>
+        <p:sp>
+          <p:nvSpPr>
+            <p:cNvPr id="39" name="Oval 38"/>
+            <p:cNvSpPr/>
+            <p:nvPr/>
+          </p:nvSpPr>
+          <p:spPr>
+            <a:xfrm>
+              <a:off x="12015133" y="4753567"/>
+              <a:ext cx="834190" cy="832104"/>
+            </a:xfrm>
+            <a:prstGeom prst="ellipse">
+              <a:avLst/>
+            </a:prstGeom>
+            <a:solidFill>
+              <a:schemeClr val="bg1">
+                <a:alpha val="43000"/>
+              </a:schemeClr>
+            </a:solidFill>
+            <a:ln w="76200">
+              <a:solidFill>
+                <a:schemeClr val="tx1"/>
+              </a:solidFill>
+              <a:prstDash val="sysDash"/>
+            </a:ln>
+          </p:spPr>
+          <p:style>
+            <a:lnRef idx="2">
+              <a:schemeClr val="accent1">
+                <a:shade val="50000"/>
+              </a:schemeClr>
+            </a:lnRef>
+            <a:fillRef idx="1">
+              <a:schemeClr val="accent1"/>
+            </a:fillRef>
+            <a:effectRef idx="0">
+              <a:schemeClr val="accent1"/>
+            </a:effectRef>
+            <a:fontRef idx="minor">
+              <a:schemeClr val="lt1"/>
+            </a:fontRef>
+          </p:style>
+          <p:txBody>
+            <a:bodyPr rtlCol="0" anchor="ctr"/>
+            <a:lstStyle/>
+            <a:p>
+              <a:pPr algn="ctr"/>
+              <a:r>
+                <a:rPr lang="en-US" sz="4400" dirty="0">
+                  <a:ln w="0"/>
+                  <a:solidFill>
+                    <a:schemeClr val="tx1"/>
+                  </a:solidFill>
+                  <a:effectLst>
+                    <a:outerShdw blurRad="38100" dist="19050" dir="2700000" algn="tl" rotWithShape="0">
+                      <a:schemeClr val="dk1">
+                        <a:alpha val="40000"/>
+                      </a:schemeClr>
+                    </a:outerShdw>
+                  </a:effectLst>
+                </a:rPr>
+                <a:t>1</a:t>
+              </a:r>
+              <a:endParaRPr lang="en-US" dirty="0">
+                <a:ln w="0"/>
+                <a:solidFill>
+                  <a:schemeClr val="tx1"/>
+                </a:solidFill>
+                <a:effectLst>
+                  <a:outerShdw blurRad="38100" dist="19050" dir="2700000" algn="tl" rotWithShape="0">
+                    <a:schemeClr val="dk1">
+                      <a:alpha val="40000"/>
+                    </a:schemeClr>
+                  </a:outerShdw>
+                </a:effectLst>
+              </a:endParaRPr>
+            </a:p>
+          </p:txBody>
+        </p:sp>
+        <p:cxnSp>
+          <p:nvCxnSpPr>
+            <p:cNvPr id="40" name="Straight Connector 39"/>
+            <p:cNvCxnSpPr/>
+            <p:nvPr/>
+          </p:nvCxnSpPr>
+          <p:spPr>
+            <a:xfrm flipH="1">
+              <a:off x="10071238" y="6934200"/>
+              <a:ext cx="1125706" cy="3242640"/>
+            </a:xfrm>
+            <a:prstGeom prst="line">
+              <a:avLst/>
+            </a:prstGeom>
+            <a:ln w="50800">
+              <a:solidFill>
+                <a:srgbClr val="002060"/>
+              </a:solidFill>
+              <a:prstDash val="dash"/>
+            </a:ln>
+          </p:spPr>
+          <p:style>
+            <a:lnRef idx="1">
+              <a:schemeClr val="accent1"/>
+            </a:lnRef>
+            <a:fillRef idx="0">
+              <a:schemeClr val="accent1"/>
+            </a:fillRef>
+            <a:effectRef idx="0">
+              <a:schemeClr val="accent1"/>
+            </a:effectRef>
+            <a:fontRef idx="minor">
+              <a:schemeClr val="tx1"/>
+            </a:fontRef>
+          </p:style>
+        </p:cxnSp>
+        <p:cxnSp>
+          <p:nvCxnSpPr>
+            <p:cNvPr id="41" name="Straight Connector 40"/>
+            <p:cNvCxnSpPr/>
+            <p:nvPr/>
+          </p:nvCxnSpPr>
+          <p:spPr>
+            <a:xfrm>
+              <a:off x="13143620" y="5188346"/>
+              <a:ext cx="1846588" cy="279936"/>
+            </a:xfrm>
+            <a:prstGeom prst="line">
+              <a:avLst/>
+            </a:prstGeom>
+            <a:ln w="50800">
+              <a:solidFill>
+                <a:srgbClr val="002060"/>
+              </a:solidFill>
+              <a:prstDash val="dash"/>
+            </a:ln>
+          </p:spPr>
+          <p:style>
+            <a:lnRef idx="1">
+              <a:schemeClr val="accent1"/>
+            </a:lnRef>
+            <a:fillRef idx="0">
+              <a:schemeClr val="accent1"/>
+            </a:fillRef>
+            <a:effectRef idx="0">
+              <a:schemeClr val="accent1"/>
+            </a:effectRef>
+            <a:fontRef idx="minor">
+              <a:schemeClr val="tx1"/>
+            </a:fontRef>
+          </p:style>
+        </p:cxnSp>
+      </p:grpSp>
+      <p:sp>
+        <p:nvSpPr>
+          <p:cNvPr id="43" name="Flowchart: Alternate Process 42"/>
+          <p:cNvSpPr/>
+          <p:nvPr/>
+        </p:nvSpPr>
+        <p:spPr>
+          <a:xfrm>
+            <a:off x="743744" y="612020"/>
+            <a:ext cx="9144000" cy="1751768"/>
+          </a:xfrm>
+          <a:prstGeom prst="flowChartAlternateProcess">
+            <a:avLst/>
+          </a:prstGeom>
+          <a:solidFill>
+            <a:srgbClr val="66C2A4">
+              <a:alpha val="45000"/>
+            </a:srgbClr>
+          </a:solidFill>
+          <a:ln>
+            <a:noFill/>
+          </a:ln>
+        </p:spPr>
+        <p:style>
+          <a:lnRef idx="2">
+            <a:schemeClr val="accent1">
+              <a:shade val="50000"/>
+            </a:schemeClr>
+          </a:lnRef>
+          <a:fillRef idx="1">
+            <a:schemeClr val="accent1"/>
+          </a:fillRef>
+          <a:effectRef idx="0">
+            <a:schemeClr val="accent1"/>
+          </a:effectRef>
+          <a:fontRef idx="minor">
+            <a:schemeClr val="lt1"/>
+          </a:fontRef>
+        </p:style>
+        <p:txBody>
+          <a:bodyPr rtlCol="0" anchor="t"/>
+          <a:lstStyle/>
+          <a:p>
+            <a:pPr algn="ctr"/>
+            <a:r>
+              <a:rPr lang="en-US" sz="4800" dirty="0" smtClean="0">
+                <a:solidFill>
+                  <a:srgbClr val="238B45"/>
+                </a:solidFill>
+              </a:rPr>
+              <a:t>MetaTracts color mapped to the major axis directions</a:t>
+            </a:r>
+            <a:endParaRPr lang="en-US" sz="4800" dirty="0">
+              <a:solidFill>
+                <a:srgbClr val="238B45"/>
+              </a:solidFill>
+            </a:endParaRPr>
+          </a:p>
+        </p:txBody>
+      </p:sp>
+      <p:sp>
+        <p:nvSpPr>
+          <p:cNvPr id="44" name="Flowchart: Alternate Process 43"/>
+          <p:cNvSpPr/>
+          <p:nvPr/>
+        </p:nvSpPr>
+        <p:spPr>
+          <a:xfrm>
+            <a:off x="10953173" y="612020"/>
+            <a:ext cx="7402638" cy="1751768"/>
+          </a:xfrm>
+          <a:prstGeom prst="flowChartAlternateProcess">
+            <a:avLst/>
+          </a:prstGeom>
+          <a:solidFill>
+            <a:srgbClr val="66C2A4">
+              <a:alpha val="45000"/>
+            </a:srgbClr>
+          </a:solidFill>
+          <a:ln>
+            <a:noFill/>
+          </a:ln>
+        </p:spPr>
+        <p:style>
+          <a:lnRef idx="2">
+            <a:schemeClr val="accent1">
+              <a:shade val="50000"/>
+            </a:schemeClr>
+          </a:lnRef>
+          <a:fillRef idx="1">
+            <a:schemeClr val="accent1"/>
+          </a:fillRef>
+          <a:effectRef idx="0">
+            <a:schemeClr val="accent1"/>
+          </a:effectRef>
+          <a:fontRef idx="minor">
+            <a:schemeClr val="lt1"/>
+          </a:fontRef>
+        </p:style>
+        <p:txBody>
+          <a:bodyPr rtlCol="0" anchor="t"/>
+          <a:lstStyle/>
+          <a:p>
+            <a:pPr algn="ctr"/>
+            <a:r>
+              <a:rPr lang="en-US" sz="4800" dirty="0" smtClean="0">
+                <a:solidFill>
+                  <a:srgbClr val="238B45"/>
+                </a:solidFill>
+              </a:rPr>
+              <a:t>Length distribution of MetaTracts in fiber bundle 1</a:t>
+            </a:r>
+            <a:endParaRPr lang="en-US" sz="4800" dirty="0">
+              <a:solidFill>
+                <a:srgbClr val="238B45"/>
+              </a:solidFill>
+            </a:endParaRPr>
+          </a:p>
+        </p:txBody>
+      </p:sp>
+      <p:sp>
+        <p:nvSpPr>
+          <p:cNvPr id="45" name="Teardrop 44"/>
+          <p:cNvSpPr>
+            <a:spLocks noChangeAspect="1"/>
+          </p:cNvSpPr>
+          <p:nvPr/>
+        </p:nvSpPr>
+        <p:spPr>
+          <a:xfrm rot="5400000">
+            <a:off x="10399608" y="-22916"/>
+            <a:ext cx="1114016" cy="1159847"/>
+          </a:xfrm>
+          <a:prstGeom prst="teardrop">
+            <a:avLst/>
+          </a:prstGeom>
+          <a:solidFill>
+            <a:srgbClr val="238B45"/>
+          </a:solidFill>
+          <a:ln>
+            <a:solidFill>
+              <a:schemeClr val="accent1">
+                <a:shade val="50000"/>
+                <a:alpha val="19000"/>
+              </a:schemeClr>
+            </a:solidFill>
+          </a:ln>
+        </p:spPr>
+        <p:style>
+          <a:lnRef idx="2">
+            <a:schemeClr val="accent1">
+              <a:shade val="50000"/>
+            </a:schemeClr>
+          </a:lnRef>
+          <a:fillRef idx="1">
+            <a:schemeClr val="accent1"/>
+          </a:fillRef>
+          <a:effectRef idx="0">
+            <a:schemeClr val="accent1"/>
+          </a:effectRef>
+          <a:fontRef idx="minor">
+            <a:schemeClr val="lt1"/>
+          </a:fontRef>
+        </p:style>
+        <p:txBody>
+          <a:bodyPr vert="vert270" rtlCol="0" anchor="ctr"/>
+          <a:lstStyle/>
+          <a:p>
+            <a:pPr algn="ctr"/>
+            <a:r>
+              <a:rPr lang="en-US" sz="9600" dirty="0"/>
+              <a:t>B</a:t>
+            </a:r>
+          </a:p>
+        </p:txBody>
+      </p:sp>
+      <p:sp>
+        <p:nvSpPr>
+          <p:cNvPr id="46" name="Teardrop 45"/>
+          <p:cNvSpPr>
+            <a:spLocks noChangeAspect="1"/>
+          </p:cNvSpPr>
+          <p:nvPr/>
+        </p:nvSpPr>
+        <p:spPr>
+          <a:xfrm rot="5400000">
+            <a:off x="22916" y="-22916"/>
+            <a:ext cx="1114016" cy="1159847"/>
+          </a:xfrm>
+          <a:prstGeom prst="teardrop">
+            <a:avLst/>
+          </a:prstGeom>
+          <a:solidFill>
+            <a:srgbClr val="238B45"/>
+          </a:solidFill>
+          <a:ln>
+            <a:solidFill>
+              <a:schemeClr val="accent1">
+                <a:shade val="50000"/>
+                <a:alpha val="19000"/>
+              </a:schemeClr>
+            </a:solidFill>
+          </a:ln>
+        </p:spPr>
+        <p:style>
+          <a:lnRef idx="2">
+            <a:schemeClr val="accent1">
+              <a:shade val="50000"/>
+            </a:schemeClr>
+          </a:lnRef>
+          <a:fillRef idx="1">
+            <a:schemeClr val="accent1"/>
+          </a:fillRef>
+          <a:effectRef idx="0">
+            <a:schemeClr val="accent1"/>
+          </a:effectRef>
+          <a:fontRef idx="minor">
+            <a:schemeClr val="lt1"/>
+          </a:fontRef>
+        </p:style>
+        <p:txBody>
+          <a:bodyPr vert="vert270" rtlCol="0" anchor="ctr"/>
+          <a:lstStyle/>
+          <a:p>
+            <a:pPr algn="ctr"/>
+            <a:r>
+              <a:rPr lang="en-US" sz="9600" dirty="0" smtClean="0"/>
+              <a:t>A</a:t>
+            </a:r>
+            <a:endParaRPr lang="en-US" sz="9600" dirty="0"/>
+          </a:p>
+        </p:txBody>
+      </p:sp>
+      <p:cxnSp>
+        <p:nvCxnSpPr>
+          <p:cNvPr id="3" name="Straight Connector 2"/>
+          <p:cNvCxnSpPr/>
+          <p:nvPr/>
+        </p:nvCxnSpPr>
+        <p:spPr>
+          <a:xfrm>
+            <a:off x="10104437" y="612020"/>
+            <a:ext cx="0" cy="11960434"/>
+          </a:xfrm>
+          <a:prstGeom prst="line">
+            <a:avLst/>
+          </a:prstGeom>
+          <a:ln w="142875" cap="rnd">
+            <a:solidFill>
+              <a:srgbClr val="238B45">
+                <a:alpha val="85000"/>
+              </a:srgbClr>
+            </a:solidFill>
+            <a:prstDash val="sysDot"/>
+          </a:ln>
+        </p:spPr>
+        <p:style>
+          <a:lnRef idx="1">
+            <a:schemeClr val="accent1"/>
+          </a:lnRef>
+          <a:fillRef idx="0">
+            <a:schemeClr val="accent1"/>
+          </a:fillRef>
+          <a:effectRef idx="0">
+            <a:schemeClr val="accent1"/>
+          </a:effectRef>
+          <a:fontRef idx="minor">
+            <a:schemeClr val="tx1"/>
+          </a:fontRef>
+        </p:style>
+      </p:cxnSp>
+      <p:pic>
+        <p:nvPicPr>
+          <p:cNvPr id="2" name="Picture 1"/>
+          <p:cNvPicPr>
+            <a:picLocks noChangeAspect="1"/>
+          </p:cNvPicPr>
+          <p:nvPr/>
+        </p:nvPicPr>
+        <p:blipFill rotWithShape="1">
+          <a:blip r:embed="rId7">
+            <a:extLst>
+              <a:ext uri="{28A0092B-C50C-407E-A947-70E740481C1C}">
+                <a14:useLocalDpi xmlns:a14="http://schemas.microsoft.com/office/drawing/2010/main" val="0"/>
+              </a:ext>
+            </a:extLst>
+          </a:blip>
+          <a:srcRect l="30567" r="30797"/>
+          <a:stretch/>
+        </p:blipFill>
+        <p:spPr>
+          <a:xfrm rot="5400000">
+            <a:off x="4615093" y="7423943"/>
+            <a:ext cx="3978457" cy="6322831"/>
+          </a:xfrm>
+          <a:prstGeom prst="rect">
+            <a:avLst/>
+          </a:prstGeom>
+          <a:ln w="107950">
+            <a:solidFill>
+              <a:srgbClr val="66C2A4"/>
+            </a:solidFill>
+          </a:ln>
+        </p:spPr>
+      </p:pic>
+      <p:grpSp>
+        <p:nvGrpSpPr>
+          <p:cNvPr id="24" name="Group 23"/>
+          <p:cNvGrpSpPr>
+            <a:grpSpLocks noChangeAspect="1"/>
+          </p:cNvGrpSpPr>
+          <p:nvPr/>
+        </p:nvGrpSpPr>
+        <p:grpSpPr>
+          <a:xfrm>
+            <a:off x="1612711" y="2119185"/>
+            <a:ext cx="2780379" cy="6210358"/>
+            <a:chOff x="3477317" y="896181"/>
+            <a:chExt cx="3383004" cy="7556402"/>
+          </a:xfrm>
+        </p:grpSpPr>
+        <p:cxnSp>
+          <p:nvCxnSpPr>
+            <p:cNvPr id="25" name="Straight Connector 24"/>
+            <p:cNvCxnSpPr/>
+            <p:nvPr/>
+          </p:nvCxnSpPr>
+          <p:spPr>
+            <a:xfrm flipV="1">
+              <a:off x="3519755" y="896181"/>
+              <a:ext cx="3328200" cy="4564373"/>
+            </a:xfrm>
+            <a:prstGeom prst="line">
+              <a:avLst/>
+            </a:prstGeom>
+            <a:ln w="127000" cap="rnd">
+              <a:solidFill>
+                <a:srgbClr val="66C2A4"/>
+              </a:solidFill>
+              <a:round/>
+            </a:ln>
+          </p:spPr>
+          <p:style>
+            <a:lnRef idx="1">
+              <a:schemeClr val="accent1"/>
+            </a:lnRef>
+            <a:fillRef idx="0">
+              <a:schemeClr val="accent1"/>
+            </a:fillRef>
+            <a:effectRef idx="0">
+              <a:schemeClr val="accent1"/>
+            </a:effectRef>
+            <a:fontRef idx="minor">
+              <a:schemeClr val="tx1"/>
+            </a:fontRef>
+          </p:style>
+        </p:cxnSp>
+        <p:cxnSp>
+          <p:nvCxnSpPr>
+            <p:cNvPr id="42" name="Straight Connector 41"/>
+            <p:cNvCxnSpPr/>
+            <p:nvPr/>
+          </p:nvCxnSpPr>
+          <p:spPr>
+            <a:xfrm flipV="1">
+              <a:off x="3477317" y="5460554"/>
+              <a:ext cx="42438" cy="2992029"/>
+            </a:xfrm>
+            <a:prstGeom prst="line">
+              <a:avLst/>
+            </a:prstGeom>
+            <a:ln w="127000" cap="rnd">
+              <a:solidFill>
+                <a:srgbClr val="66C2A4"/>
+              </a:solidFill>
+              <a:round/>
+            </a:ln>
+          </p:spPr>
+          <p:style>
+            <a:lnRef idx="1">
+              <a:schemeClr val="accent1"/>
+            </a:lnRef>
+            <a:fillRef idx="0">
+              <a:schemeClr val="accent1"/>
+            </a:fillRef>
+            <a:effectRef idx="0">
+              <a:schemeClr val="accent1"/>
+            </a:effectRef>
+            <a:fontRef idx="minor">
+              <a:schemeClr val="tx1"/>
+            </a:fontRef>
+          </p:style>
+        </p:cxnSp>
+        <p:cxnSp>
+          <p:nvCxnSpPr>
+            <p:cNvPr id="47" name="Straight Connector 46"/>
+            <p:cNvCxnSpPr/>
+            <p:nvPr/>
+          </p:nvCxnSpPr>
+          <p:spPr>
+            <a:xfrm flipH="1" flipV="1">
+              <a:off x="6847955" y="896181"/>
+              <a:ext cx="12366" cy="585743"/>
+            </a:xfrm>
+            <a:prstGeom prst="line">
+              <a:avLst/>
+            </a:prstGeom>
+            <a:ln w="127000" cap="rnd">
+              <a:solidFill>
+                <a:srgbClr val="66C2A4"/>
+              </a:solidFill>
+              <a:round/>
+            </a:ln>
+          </p:spPr>
+          <p:style>
+            <a:lnRef idx="1">
+              <a:schemeClr val="accent1"/>
+            </a:lnRef>
+            <a:fillRef idx="0">
+              <a:schemeClr val="accent1"/>
+            </a:fillRef>
+            <a:effectRef idx="0">
+              <a:schemeClr val="accent1"/>
+            </a:effectRef>
+            <a:fontRef idx="minor">
+              <a:schemeClr val="tx1"/>
+            </a:fontRef>
+          </p:style>
+        </p:cxnSp>
+        <p:cxnSp>
+          <p:nvCxnSpPr>
+            <p:cNvPr id="48" name="Straight Connector 47"/>
+            <p:cNvCxnSpPr/>
+            <p:nvPr/>
+          </p:nvCxnSpPr>
+          <p:spPr>
+            <a:xfrm flipV="1">
+              <a:off x="3477317" y="7817615"/>
+              <a:ext cx="396840" cy="634968"/>
+            </a:xfrm>
+            <a:prstGeom prst="line">
+              <a:avLst/>
+            </a:prstGeom>
+            <a:ln w="127000" cap="rnd">
+              <a:solidFill>
+                <a:srgbClr val="66C2A4"/>
+              </a:solidFill>
+              <a:round/>
+            </a:ln>
+          </p:spPr>
+          <p:style>
+            <a:lnRef idx="1">
+              <a:schemeClr val="accent1"/>
+            </a:lnRef>
+            <a:fillRef idx="0">
+              <a:schemeClr val="accent1"/>
+            </a:fillRef>
+            <a:effectRef idx="0">
+              <a:schemeClr val="accent1"/>
+            </a:effectRef>
+            <a:fontRef idx="minor">
+              <a:schemeClr val="tx1"/>
+            </a:fontRef>
+          </p:style>
+        </p:cxnSp>
+      </p:grpSp>
+      <p:sp>
+        <p:nvSpPr>
+          <p:cNvPr id="49" name="TextBox 48"/>
+          <p:cNvSpPr txBox="1"/>
+          <p:nvPr/>
+        </p:nvSpPr>
+        <p:spPr>
+          <a:xfrm>
+            <a:off x="7372316" y="7653114"/>
+            <a:ext cx="2503445" cy="830997"/>
+          </a:xfrm>
+          <a:prstGeom prst="rect">
+            <a:avLst/>
+          </a:prstGeom>
+          <a:solidFill>
+            <a:srgbClr val="66C2A4"/>
+          </a:solidFill>
+          <a:effectLst>
+            <a:softEdge rad="63500"/>
+          </a:effectLst>
+        </p:spPr>
+        <p:txBody>
+          <a:bodyPr wrap="square" rtlCol="0">
+            <a:spAutoFit/>
+          </a:bodyPr>
+          <a:lstStyle/>
+          <a:p>
+            <a:r>
+              <a:rPr lang="en-US" sz="4800" dirty="0">
+                <a:solidFill>
+                  <a:schemeClr val="bg1"/>
+                </a:solidFill>
+              </a:rPr>
+              <a:t>Y Z Plane</a:t>
+            </a:r>
+          </a:p>
+        </p:txBody>
+      </p:sp>
+      <p:sp>
+        <p:nvSpPr>
+          <p:cNvPr id="4" name="Arc 3"/>
+          <p:cNvSpPr/>
+          <p:nvPr/>
+        </p:nvSpPr>
+        <p:spPr>
+          <a:xfrm rot="21173301">
+            <a:off x="743744" y="7514478"/>
+            <a:ext cx="2805525" cy="3558975"/>
+          </a:xfrm>
+          <a:prstGeom prst="arc">
+            <a:avLst>
+              <a:gd name="adj1" fmla="val 4095112"/>
+              <a:gd name="adj2" fmla="val 14891637"/>
+            </a:avLst>
+          </a:prstGeom>
+          <a:ln w="117475">
+            <a:solidFill>
+              <a:srgbClr val="238B45"/>
+            </a:solidFill>
+            <a:headEnd type="stealth"/>
+          </a:ln>
+        </p:spPr>
+        <p:style>
+          <a:lnRef idx="1">
+            <a:schemeClr val="accent1"/>
+          </a:lnRef>
+          <a:fillRef idx="0">
+            <a:schemeClr val="accent1"/>
+          </a:fillRef>
+          <a:effectRef idx="0">
+            <a:schemeClr val="accent1"/>
+          </a:effectRef>
+          <a:fontRef idx="minor">
+            <a:schemeClr val="tx1"/>
+          </a:fontRef>
+        </p:style>
+        <p:txBody>
+          <a:bodyPr rtlCol="0" anchor="ctr"/>
+          <a:lstStyle/>
+          <a:p>
+            <a:pPr algn="ctr"/>
+            <a:endParaRPr lang="en-US"/>
+          </a:p>
+        </p:txBody>
+      </p:sp>
+    </p:spTree>
+    <p:extLst>
+      <p:ext uri="{BB962C8B-B14F-4D97-AF65-F5344CB8AC3E}">
+        <p14:creationId xmlns:p14="http://schemas.microsoft.com/office/powerpoint/2010/main" val="3391538174"/>
       </p:ext>
     </p:extLst>
   </p:cSld>

--- a/figure5.pptx
+++ b/figure5.pptx
@@ -5,13 +5,12 @@
     <p:sldMasterId id="2147483648" r:id="rId1"/>
   </p:sldMasterIdLst>
   <p:notesMasterIdLst>
-    <p:notesMasterId r:id="rId4"/>
+    <p:notesMasterId r:id="rId3"/>
   </p:notesMasterIdLst>
   <p:sldIdLst>
-    <p:sldId id="256" r:id="rId2"/>
-    <p:sldId id="257" r:id="rId3"/>
+    <p:sldId id="257" r:id="rId2"/>
   </p:sldIdLst>
-  <p:sldSz cx="18380075" cy="12957175"/>
+  <p:sldSz cx="21213763" cy="5851525"/>
   <p:notesSz cx="6858000" cy="9144000"/>
   <p:defaultTextStyle>
     <a:defPPr>
@@ -110,7 +109,7 @@
   </p:defaultTextStyle>
   <p:extLst>
     <p:ext uri="{EFAFB233-063F-42B5-8137-9DF3F51BA10A}">
-      <p15:sldGuideLst xmlns:p15="http://schemas.microsoft.com/office/powerpoint/2012/main">
+      <p15:sldGuideLst xmlns="" xmlns:p15="http://schemas.microsoft.com/office/powerpoint/2012/main">
         <p15:guide id="1" orient="horz" pos="4081">
           <p15:clr>
             <a:srgbClr val="A4A3A4"/>
@@ -209,7 +208,7 @@
           <a:p>
             <a:fld id="{745E3719-FB22-4329-BE6A-A233A43FEA00}" type="datetimeFigureOut">
               <a:rPr lang="en-US" smtClean="0"/>
-              <a:t>9/22/2014</a:t>
+              <a:t>9/25/2014</a:t>
             </a:fld>
             <a:endParaRPr lang="en-US"/>
           </a:p>
@@ -227,8 +226,8 @@
         </p:nvSpPr>
         <p:spPr>
           <a:xfrm>
-            <a:off x="996950" y="685800"/>
-            <a:ext cx="4864100" cy="3429000"/>
+            <a:off x="-2786063" y="685800"/>
+            <a:ext cx="12430126" cy="3429000"/>
           </a:xfrm>
           <a:prstGeom prst="rect">
             <a:avLst/>
@@ -506,8 +505,8 @@
         </p:nvSpPr>
         <p:spPr>
           <a:xfrm>
-            <a:off x="1378507" y="4025124"/>
-            <a:ext cx="15623064" cy="2777394"/>
+            <a:off x="1591035" y="1817769"/>
+            <a:ext cx="18031699" cy="1254284"/>
           </a:xfrm>
         </p:spPr>
         <p:txBody>
@@ -534,8 +533,8 @@
         </p:nvSpPr>
         <p:spPr>
           <a:xfrm>
-            <a:off x="2757011" y="7342399"/>
-            <a:ext cx="12866053" cy="3311278"/>
+            <a:off x="3182070" y="3315865"/>
+            <a:ext cx="14849636" cy="1495389"/>
           </a:xfrm>
         </p:spPr>
         <p:txBody>
@@ -658,7 +657,7 @@
           <a:p>
             <a:fld id="{ED614A87-ACDD-4C30-95C3-4447549DFF68}" type="datetimeFigureOut">
               <a:rPr lang="en-US" smtClean="0"/>
-              <a:t>9/22/2014</a:t>
+              <a:t>9/25/2014</a:t>
             </a:fld>
             <a:endParaRPr lang="en-US"/>
           </a:p>
@@ -828,7 +827,7 @@
           <a:p>
             <a:fld id="{ED614A87-ACDD-4C30-95C3-4447549DFF68}" type="datetimeFigureOut">
               <a:rPr lang="en-US" smtClean="0"/>
-              <a:t>9/22/2014</a:t>
+              <a:t>9/25/2014</a:t>
             </a:fld>
             <a:endParaRPr lang="en-US"/>
           </a:p>
@@ -918,8 +917,8 @@
         </p:nvSpPr>
         <p:spPr>
           <a:xfrm>
-            <a:off x="26600054" y="980787"/>
-            <a:ext cx="8251888" cy="20887446"/>
+            <a:off x="30701030" y="442934"/>
+            <a:ext cx="9524095" cy="9432875"/>
           </a:xfrm>
         </p:spPr>
         <p:txBody>
@@ -946,8 +945,8 @@
         </p:nvSpPr>
         <p:spPr>
           <a:xfrm>
-            <a:off x="1834819" y="980787"/>
-            <a:ext cx="24458900" cy="20887446"/>
+            <a:off x="2117697" y="442934"/>
+            <a:ext cx="28229772" cy="9432875"/>
           </a:xfrm>
         </p:spPr>
         <p:txBody>
@@ -1008,7 +1007,7 @@
           <a:p>
             <a:fld id="{ED614A87-ACDD-4C30-95C3-4447549DFF68}" type="datetimeFigureOut">
               <a:rPr lang="en-US" smtClean="0"/>
-              <a:t>9/22/2014</a:t>
+              <a:t>9/25/2014</a:t>
             </a:fld>
             <a:endParaRPr lang="en-US"/>
           </a:p>
@@ -1178,7 +1177,7 @@
           <a:p>
             <a:fld id="{ED614A87-ACDD-4C30-95C3-4447549DFF68}" type="datetimeFigureOut">
               <a:rPr lang="en-US" smtClean="0"/>
-              <a:t>9/22/2014</a:t>
+              <a:t>9/25/2014</a:t>
             </a:fld>
             <a:endParaRPr lang="en-US"/>
           </a:p>
@@ -1268,8 +1267,8 @@
         </p:nvSpPr>
         <p:spPr>
           <a:xfrm>
-            <a:off x="1451900" y="8326187"/>
-            <a:ext cx="15623064" cy="2573439"/>
+            <a:off x="1675741" y="3760149"/>
+            <a:ext cx="18031699" cy="1162178"/>
           </a:xfrm>
         </p:spPr>
         <p:txBody>
@@ -1300,8 +1299,8 @@
         </p:nvSpPr>
         <p:spPr>
           <a:xfrm>
-            <a:off x="1451900" y="5491806"/>
-            <a:ext cx="15623064" cy="2834381"/>
+            <a:off x="1675741" y="2480128"/>
+            <a:ext cx="18031699" cy="1280020"/>
           </a:xfrm>
         </p:spPr>
         <p:txBody>
@@ -1424,7 +1423,7 @@
           <a:p>
             <a:fld id="{ED614A87-ACDD-4C30-95C3-4447549DFF68}" type="datetimeFigureOut">
               <a:rPr lang="en-US" smtClean="0"/>
-              <a:t>9/22/2014</a:t>
+              <a:t>9/25/2014</a:t>
             </a:fld>
             <a:endParaRPr lang="en-US"/>
           </a:p>
@@ -1537,8 +1536,8 @@
         </p:nvSpPr>
         <p:spPr>
           <a:xfrm>
-            <a:off x="1834819" y="5710756"/>
-            <a:ext cx="16353798" cy="16157478"/>
+            <a:off x="2117697" y="2579010"/>
+            <a:ext cx="18875090" cy="7296798"/>
           </a:xfrm>
         </p:spPr>
         <p:txBody>
@@ -1622,8 +1621,8 @@
         </p:nvSpPr>
         <p:spPr>
           <a:xfrm>
-            <a:off x="18494952" y="5710756"/>
-            <a:ext cx="16356991" cy="16157478"/>
+            <a:off x="21346358" y="2579010"/>
+            <a:ext cx="18878777" cy="7296798"/>
           </a:xfrm>
         </p:spPr>
         <p:txBody>
@@ -1712,7 +1711,7 @@
           <a:p>
             <a:fld id="{ED614A87-ACDD-4C30-95C3-4447549DFF68}" type="datetimeFigureOut">
               <a:rPr lang="en-US" smtClean="0"/>
-              <a:t>9/22/2014</a:t>
+              <a:t>9/25/2014</a:t>
             </a:fld>
             <a:endParaRPr lang="en-US"/>
           </a:p>
@@ -1802,8 +1801,8 @@
         </p:nvSpPr>
         <p:spPr>
           <a:xfrm>
-            <a:off x="919005" y="518889"/>
-            <a:ext cx="16542067" cy="2159529"/>
+            <a:off x="1060696" y="234335"/>
+            <a:ext cx="19092385" cy="975254"/>
           </a:xfrm>
         </p:spPr>
         <p:txBody>
@@ -1834,8 +1833,8 @@
         </p:nvSpPr>
         <p:spPr>
           <a:xfrm>
-            <a:off x="919003" y="2900368"/>
-            <a:ext cx="8121059" cy="1208736"/>
+            <a:off x="1060690" y="1309824"/>
+            <a:ext cx="9373097" cy="545870"/>
           </a:xfrm>
         </p:spPr>
         <p:txBody>
@@ -1899,8 +1898,8 @@
         </p:nvSpPr>
         <p:spPr>
           <a:xfrm>
-            <a:off x="919003" y="4109105"/>
-            <a:ext cx="8121059" cy="7465373"/>
+            <a:off x="1060690" y="1855695"/>
+            <a:ext cx="9373097" cy="3371401"/>
           </a:xfrm>
         </p:spPr>
         <p:txBody>
@@ -1984,8 +1983,8 @@
         </p:nvSpPr>
         <p:spPr>
           <a:xfrm>
-            <a:off x="9336825" y="2900368"/>
-            <a:ext cx="8124248" cy="1208736"/>
+            <a:off x="10776306" y="1309824"/>
+            <a:ext cx="9376776" cy="545870"/>
           </a:xfrm>
         </p:spPr>
         <p:txBody>
@@ -2049,8 +2048,8 @@
         </p:nvSpPr>
         <p:spPr>
           <a:xfrm>
-            <a:off x="9336825" y="4109105"/>
-            <a:ext cx="8124248" cy="7465373"/>
+            <a:off x="10776306" y="1855695"/>
+            <a:ext cx="9376776" cy="3371401"/>
           </a:xfrm>
         </p:spPr>
         <p:txBody>
@@ -2139,7 +2138,7 @@
           <a:p>
             <a:fld id="{ED614A87-ACDD-4C30-95C3-4447549DFF68}" type="datetimeFigureOut">
               <a:rPr lang="en-US" smtClean="0"/>
-              <a:t>9/22/2014</a:t>
+              <a:t>9/25/2014</a:t>
             </a:fld>
             <a:endParaRPr lang="en-US"/>
           </a:p>
@@ -2257,7 +2256,7 @@
           <a:p>
             <a:fld id="{ED614A87-ACDD-4C30-95C3-4447549DFF68}" type="datetimeFigureOut">
               <a:rPr lang="en-US" smtClean="0"/>
-              <a:t>9/22/2014</a:t>
+              <a:t>9/25/2014</a:t>
             </a:fld>
             <a:endParaRPr lang="en-US"/>
           </a:p>
@@ -2352,7 +2351,7 @@
           <a:p>
             <a:fld id="{ED614A87-ACDD-4C30-95C3-4447549DFF68}" type="datetimeFigureOut">
               <a:rPr lang="en-US" smtClean="0"/>
-              <a:t>9/22/2014</a:t>
+              <a:t>9/25/2014</a:t>
             </a:fld>
             <a:endParaRPr lang="en-US"/>
           </a:p>
@@ -2442,8 +2441,8 @@
         </p:nvSpPr>
         <p:spPr>
           <a:xfrm>
-            <a:off x="919004" y="515889"/>
-            <a:ext cx="6046918" cy="2195521"/>
+            <a:off x="1060695" y="232983"/>
+            <a:ext cx="6979181" cy="991509"/>
           </a:xfrm>
         </p:spPr>
         <p:txBody>
@@ -2474,8 +2473,8 @@
         </p:nvSpPr>
         <p:spPr>
           <a:xfrm>
-            <a:off x="7186099" y="515888"/>
-            <a:ext cx="10274973" cy="11058590"/>
+            <a:off x="8293999" y="232979"/>
+            <a:ext cx="11859082" cy="4994114"/>
           </a:xfrm>
         </p:spPr>
         <p:txBody>
@@ -2559,8 +2558,8 @@
         </p:nvSpPr>
         <p:spPr>
           <a:xfrm>
-            <a:off x="919004" y="2711411"/>
-            <a:ext cx="6046918" cy="8863069"/>
+            <a:off x="1060695" y="1224492"/>
+            <a:ext cx="6979181" cy="4002607"/>
           </a:xfrm>
         </p:spPr>
         <p:txBody>
@@ -2629,7 +2628,7 @@
           <a:p>
             <a:fld id="{ED614A87-ACDD-4C30-95C3-4447549DFF68}" type="datetimeFigureOut">
               <a:rPr lang="en-US" smtClean="0"/>
-              <a:t>9/22/2014</a:t>
+              <a:t>9/25/2014</a:t>
             </a:fld>
             <a:endParaRPr lang="en-US"/>
           </a:p>
@@ -2719,8 +2718,8 @@
         </p:nvSpPr>
         <p:spPr>
           <a:xfrm>
-            <a:off x="3602624" y="9070024"/>
-            <a:ext cx="11028045" cy="1070767"/>
+            <a:off x="4158050" y="4096071"/>
+            <a:ext cx="12728258" cy="483564"/>
           </a:xfrm>
         </p:spPr>
         <p:txBody>
@@ -2751,8 +2750,8 @@
         </p:nvSpPr>
         <p:spPr>
           <a:xfrm>
-            <a:off x="3602624" y="1157749"/>
-            <a:ext cx="11028045" cy="7774305"/>
+            <a:off x="4158050" y="522850"/>
+            <a:ext cx="12728258" cy="3510915"/>
           </a:xfrm>
         </p:spPr>
         <p:txBody>
@@ -2812,8 +2811,8 @@
         </p:nvSpPr>
         <p:spPr>
           <a:xfrm>
-            <a:off x="3602624" y="10140790"/>
-            <a:ext cx="11028045" cy="1520668"/>
+            <a:off x="4158050" y="4579632"/>
+            <a:ext cx="12728258" cy="686742"/>
           </a:xfrm>
         </p:spPr>
         <p:txBody>
@@ -2882,7 +2881,7 @@
           <a:p>
             <a:fld id="{ED614A87-ACDD-4C30-95C3-4447549DFF68}" type="datetimeFigureOut">
               <a:rPr lang="en-US" smtClean="0"/>
-              <a:t>9/22/2014</a:t>
+              <a:t>9/25/2014</a:t>
             </a:fld>
             <a:endParaRPr lang="en-US"/>
           </a:p>
@@ -2977,8 +2976,8 @@
         </p:nvSpPr>
         <p:spPr>
           <a:xfrm>
-            <a:off x="919005" y="518889"/>
-            <a:ext cx="16542067" cy="2159529"/>
+            <a:off x="1060696" y="234335"/>
+            <a:ext cx="19092385" cy="975254"/>
           </a:xfrm>
           <a:prstGeom prst="rect">
             <a:avLst/>
@@ -3010,8 +3009,8 @@
         </p:nvSpPr>
         <p:spPr>
           <a:xfrm>
-            <a:off x="919005" y="3023343"/>
-            <a:ext cx="16542067" cy="8551137"/>
+            <a:off x="1060696" y="1365363"/>
+            <a:ext cx="19092385" cy="3861735"/>
           </a:xfrm>
           <a:prstGeom prst="rect">
             <a:avLst/>
@@ -3072,8 +3071,8 @@
         </p:nvSpPr>
         <p:spPr>
           <a:xfrm>
-            <a:off x="919004" y="12009382"/>
-            <a:ext cx="4288685" cy="689850"/>
+            <a:off x="1060693" y="5423497"/>
+            <a:ext cx="4949879" cy="311540"/>
           </a:xfrm>
           <a:prstGeom prst="rect">
             <a:avLst/>
@@ -3095,7 +3094,7 @@
           <a:p>
             <a:fld id="{ED614A87-ACDD-4C30-95C3-4447549DFF68}" type="datetimeFigureOut">
               <a:rPr lang="en-US" smtClean="0"/>
-              <a:t>9/22/2014</a:t>
+              <a:t>9/25/2014</a:t>
             </a:fld>
             <a:endParaRPr lang="en-US"/>
           </a:p>
@@ -3113,8 +3112,8 @@
         </p:nvSpPr>
         <p:spPr>
           <a:xfrm>
-            <a:off x="6279859" y="12009382"/>
-            <a:ext cx="5820357" cy="689850"/>
+            <a:off x="7248038" y="5423497"/>
+            <a:ext cx="6717692" cy="311540"/>
           </a:xfrm>
           <a:prstGeom prst="rect">
             <a:avLst/>
@@ -3150,8 +3149,8 @@
         </p:nvSpPr>
         <p:spPr>
           <a:xfrm>
-            <a:off x="13172387" y="12009382"/>
-            <a:ext cx="4288685" cy="689850"/>
+            <a:off x="15203204" y="5423497"/>
+            <a:ext cx="4949879" cy="311540"/>
           </a:xfrm>
           <a:prstGeom prst="rect">
             <a:avLst/>
@@ -3470,153 +3469,30 @@
           <a:chExt cx="0" cy="0"/>
         </a:xfrm>
       </p:grpSpPr>
-      <p:pic>
-        <p:nvPicPr>
-          <p:cNvPr id="26" name="Picture 25"/>
-          <p:cNvPicPr>
-            <a:picLocks noChangeAspect="1"/>
-          </p:cNvPicPr>
-          <p:nvPr/>
-        </p:nvPicPr>
-        <p:blipFill>
-          <a:blip r:embed="rId2">
-            <a:extLst>
-              <a:ext uri="{28A0092B-C50C-407E-A947-70E740481C1C}">
-                <a14:useLocalDpi xmlns:a14="http://schemas.microsoft.com/office/drawing/2010/main" val="0"/>
-              </a:ext>
-            </a:extLst>
-          </a:blip>
-          <a:stretch>
-            <a:fillRect/>
-          </a:stretch>
-        </p:blipFill>
-        <p:spPr>
-          <a:xfrm>
-            <a:off x="591344" y="3278187"/>
-            <a:ext cx="8333102" cy="7967991"/>
-          </a:xfrm>
-          <a:prstGeom prst="rect">
-            <a:avLst/>
-          </a:prstGeom>
-        </p:spPr>
-      </p:pic>
       <p:grpSp>
         <p:nvGrpSpPr>
-          <p:cNvPr id="27" name="Group 26"/>
+          <p:cNvPr id="114" name="Group 113"/>
           <p:cNvGrpSpPr/>
           <p:nvPr/>
         </p:nvGrpSpPr>
         <p:grpSpPr>
-          <a:xfrm>
-            <a:off x="5208405" y="8281377"/>
-            <a:ext cx="3355243" cy="3482595"/>
-            <a:chOff x="10959160" y="4857564"/>
-            <a:chExt cx="2007058" cy="1909417"/>
-          </a:xfrm>
-        </p:grpSpPr>
-        <p:sp>
-          <p:nvSpPr>
-            <p:cNvPr id="28" name="Oval 27"/>
-            <p:cNvSpPr>
-              <a:spLocks noChangeAspect="1"/>
-            </p:cNvSpPr>
-            <p:nvPr/>
-          </p:nvSpPr>
-          <p:spPr>
-            <a:xfrm>
-              <a:off x="10959160" y="4885593"/>
-              <a:ext cx="1881055" cy="1881388"/>
-            </a:xfrm>
-            <a:prstGeom prst="ellipse">
-              <a:avLst/>
-            </a:prstGeom>
-            <a:noFill/>
-            <a:ln w="127000">
-              <a:solidFill>
-                <a:srgbClr val="00B050"/>
-              </a:solidFill>
-            </a:ln>
-          </p:spPr>
-          <p:style>
-            <a:lnRef idx="2">
-              <a:schemeClr val="accent1">
-                <a:shade val="50000"/>
-              </a:schemeClr>
-            </a:lnRef>
-            <a:fillRef idx="1">
-              <a:schemeClr val="accent1"/>
-            </a:fillRef>
-            <a:effectRef idx="0">
-              <a:schemeClr val="accent1"/>
-            </a:effectRef>
-            <a:fontRef idx="minor">
-              <a:schemeClr val="lt1"/>
-            </a:fontRef>
-          </p:style>
-          <p:txBody>
-            <a:bodyPr rtlCol="0" anchor="ctr"/>
-            <a:lstStyle/>
-            <a:p>
-              <a:pPr algn="ctr"/>
-              <a:endParaRPr lang="en-US"/>
-            </a:p>
-          </p:txBody>
-        </p:sp>
-        <p:pic>
-          <p:nvPicPr>
-            <p:cNvPr id="29" name="Picture 28"/>
-            <p:cNvPicPr>
-              <a:picLocks noChangeAspect="1"/>
-            </p:cNvPicPr>
-            <p:nvPr/>
-          </p:nvPicPr>
-          <p:blipFill>
-            <a:blip r:embed="rId3">
-              <a:extLst>
-                <a:ext uri="{28A0092B-C50C-407E-A947-70E740481C1C}">
-                  <a14:useLocalDpi xmlns:a14="http://schemas.microsoft.com/office/drawing/2010/main" val="0"/>
-                </a:ext>
-              </a:extLst>
-            </a:blip>
-            <a:stretch>
-              <a:fillRect/>
-            </a:stretch>
-          </p:blipFill>
-          <p:spPr>
-            <a:xfrm>
-              <a:off x="10959160" y="4857564"/>
-              <a:ext cx="2007058" cy="1909417"/>
-            </a:xfrm>
-            <a:prstGeom prst="rect">
-              <a:avLst/>
-            </a:prstGeom>
-          </p:spPr>
-        </p:pic>
-      </p:grpSp>
-      <p:grpSp>
-        <p:nvGrpSpPr>
-          <p:cNvPr id="30" name="Group 29"/>
-          <p:cNvGrpSpPr/>
-          <p:nvPr/>
-        </p:nvGrpSpPr>
-        <p:grpSpPr>
-          <a:xfrm>
-            <a:off x="10550038" y="11366659"/>
-            <a:ext cx="8074285" cy="1590516"/>
-            <a:chOff x="9275068" y="12692612"/>
-            <a:chExt cx="8933858" cy="1590516"/>
+          <a:xfrm rot="5400000">
+            <a:off x="17836560" y="3110168"/>
+            <a:ext cx="5143096" cy="1524000"/>
+            <a:chOff x="9275065" y="12911948"/>
+            <a:chExt cx="9518600" cy="1779594"/>
           </a:xfrm>
         </p:grpSpPr>
         <p:pic>
           <p:nvPicPr>
-            <p:cNvPr id="31" name="Picture 30"/>
+            <p:cNvPr id="115" name="Picture 114"/>
             <p:cNvPicPr>
               <a:picLocks noChangeAspect="1"/>
             </p:cNvPicPr>
             <p:nvPr/>
           </p:nvPicPr>
           <p:blipFill rotWithShape="1">
-            <a:blip r:embed="rId4">
+            <a:blip r:embed="rId2">
               <a:extLst>
                 <a:ext uri="{28A0092B-C50C-407E-A947-70E740481C1C}">
                   <a14:useLocalDpi xmlns:a14="http://schemas.microsoft.com/office/drawing/2010/main" val="0"/>
@@ -3628,8 +3504,8 @@
           </p:blipFill>
           <p:spPr>
             <a:xfrm rot="5400000">
-              <a:off x="12964278" y="9003402"/>
-              <a:ext cx="812367" cy="8190787"/>
+              <a:off x="13073942" y="9113071"/>
+              <a:ext cx="593032" cy="8190785"/>
             </a:xfrm>
             <a:prstGeom prst="rect">
               <a:avLst/>
@@ -3638,14 +3514,14 @@
         </p:pic>
         <p:sp>
           <p:nvSpPr>
-            <p:cNvPr id="32" name="TextBox 31"/>
+            <p:cNvPr id="116" name="TextBox 115"/>
             <p:cNvSpPr txBox="1"/>
             <p:nvPr/>
           </p:nvSpPr>
           <p:spPr>
-            <a:xfrm>
-              <a:off x="16722788" y="13513687"/>
-              <a:ext cx="1486138" cy="769441"/>
+            <a:xfrm rot="16200000">
+              <a:off x="17011335" y="12909211"/>
+              <a:ext cx="1343148" cy="2221513"/>
             </a:xfrm>
             <a:prstGeom prst="rect">
               <a:avLst/>
@@ -3660,23 +3536,23 @@
             <a:p>
               <a:pPr algn="ctr"/>
               <a:r>
-                <a:rPr lang="en-US" sz="4400" b="1" dirty="0" smtClean="0"/>
+                <a:rPr lang="en-US" sz="3600" dirty="0" smtClean="0"/>
                 <a:t>529</a:t>
               </a:r>
-              <a:endParaRPr lang="en-US" sz="1600" b="1" dirty="0"/>
+              <a:endParaRPr lang="en-US" sz="1200" dirty="0"/>
             </a:p>
           </p:txBody>
         </p:sp>
         <p:sp>
           <p:nvSpPr>
-            <p:cNvPr id="33" name="TextBox 32"/>
+            <p:cNvPr id="117" name="TextBox 116"/>
             <p:cNvSpPr txBox="1"/>
             <p:nvPr/>
           </p:nvSpPr>
           <p:spPr>
-            <a:xfrm>
-              <a:off x="15028633" y="13513687"/>
-              <a:ext cx="1486138" cy="769441"/>
+            <a:xfrm rot="16200000">
+              <a:off x="15785206" y="12787647"/>
+              <a:ext cx="1343148" cy="2221512"/>
             </a:xfrm>
             <a:prstGeom prst="rect">
               <a:avLst/>
@@ -3690,23 +3566,23 @@
             <a:lstStyle/>
             <a:p>
               <a:r>
-                <a:rPr lang="en-US" sz="4400" b="1" dirty="0" smtClean="0"/>
+                <a:rPr lang="en-US" sz="3600" dirty="0" smtClean="0"/>
                 <a:t>396</a:t>
               </a:r>
-              <a:endParaRPr lang="en-US" sz="1600" b="1" dirty="0"/>
+              <a:endParaRPr lang="en-US" sz="1200" dirty="0"/>
             </a:p>
           </p:txBody>
         </p:sp>
         <p:sp>
           <p:nvSpPr>
-            <p:cNvPr id="34" name="TextBox 33"/>
+            <p:cNvPr id="118" name="TextBox 117"/>
             <p:cNvSpPr txBox="1"/>
             <p:nvPr/>
           </p:nvSpPr>
           <p:spPr>
-            <a:xfrm>
-              <a:off x="12912152" y="13513687"/>
-              <a:ext cx="1486138" cy="769441"/>
+            <a:xfrm rot="16200000">
+              <a:off x="13668726" y="12787647"/>
+              <a:ext cx="1343148" cy="2221512"/>
             </a:xfrm>
             <a:prstGeom prst="rect">
               <a:avLst/>
@@ -3720,23 +3596,23 @@
             <a:lstStyle/>
             <a:p>
               <a:r>
-                <a:rPr lang="en-US" sz="4400" b="1" dirty="0" smtClean="0"/>
+                <a:rPr lang="en-US" sz="3600" dirty="0" smtClean="0"/>
                 <a:t>264</a:t>
               </a:r>
-              <a:endParaRPr lang="en-US" sz="1600" b="1" dirty="0"/>
+              <a:endParaRPr lang="en-US" sz="1200" dirty="0"/>
             </a:p>
           </p:txBody>
         </p:sp>
         <p:sp>
           <p:nvSpPr>
-            <p:cNvPr id="35" name="TextBox 34"/>
+            <p:cNvPr id="119" name="TextBox 118"/>
             <p:cNvSpPr txBox="1"/>
             <p:nvPr/>
           </p:nvSpPr>
           <p:spPr>
-            <a:xfrm>
-              <a:off x="9564465" y="13513687"/>
-              <a:ext cx="1486138" cy="769441"/>
+            <a:xfrm rot="16200000">
+              <a:off x="10321040" y="12787647"/>
+              <a:ext cx="1343148" cy="2221512"/>
             </a:xfrm>
             <a:prstGeom prst="rect">
               <a:avLst/>
@@ -3750,24 +3626,24 @@
             <a:lstStyle/>
             <a:p>
               <a:r>
-                <a:rPr lang="en-US" sz="4400" b="1" dirty="0" smtClean="0"/>
+                <a:rPr lang="en-US" sz="3600" dirty="0" smtClean="0"/>
                 <a:t>132</a:t>
               </a:r>
-              <a:endParaRPr lang="en-US" sz="1600" b="1" dirty="0"/>
+              <a:endParaRPr lang="en-US" sz="1200" dirty="0"/>
             </a:p>
           </p:txBody>
         </p:sp>
       </p:grpSp>
       <p:pic>
         <p:nvPicPr>
-          <p:cNvPr id="36" name="Picture 35"/>
+          <p:cNvPr id="120" name="Picture 119"/>
           <p:cNvPicPr>
             <a:picLocks noChangeAspect="1"/>
           </p:cNvPicPr>
           <p:nvPr/>
         </p:nvPicPr>
         <p:blipFill>
-          <a:blip r:embed="rId5">
+          <a:blip r:embed="rId3" cstate="print">
             <a:extLst>
               <a:ext uri="{28A0092B-C50C-407E-A947-70E740481C1C}">
                 <a14:useLocalDpi xmlns:a14="http://schemas.microsoft.com/office/drawing/2010/main" val="0"/>
@@ -3780,8 +3656,8 @@
         </p:blipFill>
         <p:spPr>
           <a:xfrm>
-            <a:off x="11079544" y="2494160"/>
-            <a:ext cx="3624710" cy="3492980"/>
+            <a:off x="10349708" y="1173072"/>
+            <a:ext cx="4191000" cy="4038690"/>
           </a:xfrm>
           <a:prstGeom prst="rect">
             <a:avLst/>
@@ -3790,41 +3666,41 @@
       </p:pic>
       <p:grpSp>
         <p:nvGrpSpPr>
-          <p:cNvPr id="37" name="Group 36"/>
+          <p:cNvPr id="121" name="Group 120"/>
           <p:cNvGrpSpPr/>
           <p:nvPr/>
         </p:nvGrpSpPr>
         <p:grpSpPr>
           <a:xfrm>
-            <a:off x="10893492" y="2942783"/>
-            <a:ext cx="7197431" cy="8130670"/>
-            <a:chOff x="9995038" y="4753567"/>
-            <a:chExt cx="7197431" cy="8130670"/>
+            <a:off x="12483310" y="1092196"/>
+            <a:ext cx="7032476" cy="4743448"/>
+            <a:chOff x="9855724" y="3978738"/>
+            <a:chExt cx="6552348" cy="4419599"/>
           </a:xfrm>
         </p:grpSpPr>
         <p:pic>
           <p:nvPicPr>
-            <p:cNvPr id="38" name="Picture 37"/>
+            <p:cNvPr id="122" name="Picture 121"/>
             <p:cNvPicPr>
               <a:picLocks noChangeAspect="1"/>
             </p:cNvPicPr>
             <p:nvPr/>
           </p:nvPicPr>
           <p:blipFill rotWithShape="1">
-            <a:blip r:embed="rId6">
+            <a:blip r:embed="rId4">
               <a:extLst>
                 <a:ext uri="{28A0092B-C50C-407E-A947-70E740481C1C}">
                   <a14:useLocalDpi xmlns:a14="http://schemas.microsoft.com/office/drawing/2010/main" val="0"/>
                 </a:ext>
               </a:extLst>
             </a:blip>
-            <a:srcRect l="3503" r="8567"/>
+            <a:srcRect l="3503" t="2606" r="8567" b="6332"/>
             <a:stretch/>
           </p:blipFill>
           <p:spPr>
             <a:xfrm>
-              <a:off x="9995038" y="5110199"/>
-              <a:ext cx="7197431" cy="7774038"/>
+              <a:off x="11914654" y="3978738"/>
+              <a:ext cx="4493418" cy="4419599"/>
             </a:xfrm>
             <a:prstGeom prst="rect">
               <a:avLst/>
@@ -3833,13 +3709,13 @@
         </p:pic>
         <p:sp>
           <p:nvSpPr>
-            <p:cNvPr id="39" name="Oval 38"/>
+            <p:cNvPr id="123" name="Oval 122"/>
             <p:cNvSpPr/>
             <p:nvPr/>
           </p:nvSpPr>
           <p:spPr>
             <a:xfrm>
-              <a:off x="12015133" y="4753567"/>
+              <a:off x="9855724" y="4571026"/>
               <a:ext cx="834190" cy="832104"/>
             </a:xfrm>
             <a:prstGeom prst="ellipse">
@@ -3912,14 +3788,16 @@
         </p:sp>
         <p:cxnSp>
           <p:nvCxnSpPr>
-            <p:cNvPr id="40" name="Straight Connector 39"/>
-            <p:cNvCxnSpPr/>
+            <p:cNvPr id="124" name="Straight Connector 123"/>
+            <p:cNvCxnSpPr>
+              <a:stCxn id="123" idx="3"/>
+            </p:cNvCxnSpPr>
             <p:nvPr/>
           </p:nvCxnSpPr>
           <p:spPr>
-            <a:xfrm flipH="1">
-              <a:off x="10071238" y="6934200"/>
-              <a:ext cx="1125706" cy="3242640"/>
+            <a:xfrm>
+              <a:off x="9977888" y="5281271"/>
+              <a:ext cx="1936766" cy="1754803"/>
             </a:xfrm>
             <a:prstGeom prst="line">
               <a:avLst/>
@@ -3948,14 +3826,16 @@
         </p:cxnSp>
         <p:cxnSp>
           <p:nvCxnSpPr>
-            <p:cNvPr id="41" name="Straight Connector 40"/>
-            <p:cNvCxnSpPr/>
+            <p:cNvPr id="125" name="Straight Connector 124"/>
+            <p:cNvCxnSpPr>
+              <a:stCxn id="123" idx="0"/>
+            </p:cNvCxnSpPr>
             <p:nvPr/>
           </p:nvCxnSpPr>
           <p:spPr>
-            <a:xfrm>
-              <a:off x="13143620" y="5188346"/>
-              <a:ext cx="1846588" cy="279936"/>
+            <a:xfrm flipV="1">
+              <a:off x="10272819" y="4110282"/>
+              <a:ext cx="4765731" cy="460746"/>
             </a:xfrm>
             <a:prstGeom prst="line">
               <a:avLst/>
@@ -3985,22 +3865,20 @@
       </p:grpSp>
       <p:sp>
         <p:nvSpPr>
-          <p:cNvPr id="43" name="Flowchart: Alternate Process 42"/>
+          <p:cNvPr id="126" name="Flowchart: Alternate Process 125"/>
           <p:cNvSpPr/>
           <p:nvPr/>
         </p:nvSpPr>
         <p:spPr>
           <a:xfrm>
-            <a:off x="743744" y="612020"/>
-            <a:ext cx="9144000" cy="1751768"/>
+            <a:off x="1020764" y="238133"/>
+            <a:ext cx="8885236" cy="875884"/>
           </a:xfrm>
           <a:prstGeom prst="flowChartAlternateProcess">
             <a:avLst/>
           </a:prstGeom>
           <a:solidFill>
-            <a:srgbClr val="66C2A4">
-              <a:alpha val="45000"/>
-            </a:srgbClr>
+            <a:srgbClr val="E7E6E6"/>
           </a:solidFill>
           <a:ln>
             <a:noFill/>
@@ -4023,19 +3901,27 @@
           </a:fontRef>
         </p:style>
         <p:txBody>
-          <a:bodyPr rtlCol="0" anchor="t"/>
+          <a:bodyPr rtlCol="0" anchor="ctr"/>
           <a:lstStyle/>
           <a:p>
             <a:pPr algn="ctr"/>
             <a:r>
-              <a:rPr lang="en-US" sz="4800" dirty="0" smtClean="0">
+              <a:rPr lang="en-US" sz="5000" dirty="0" err="1" smtClean="0">
                 <a:solidFill>
                   <a:srgbClr val="238B45"/>
                 </a:solidFill>
               </a:rPr>
-              <a:t>MetaTracts color mapped to the major axis directions</a:t>
-            </a:r>
-            <a:endParaRPr lang="en-US" sz="4800" dirty="0">
+              <a:t>MetaTracts</a:t>
+            </a:r>
+            <a:r>
+              <a:rPr lang="en-US" sz="5000" dirty="0" smtClean="0">
+                <a:solidFill>
+                  <a:srgbClr val="238B45"/>
+                </a:solidFill>
+              </a:rPr>
+              <a:t> orientation</a:t>
+            </a:r>
+            <a:endParaRPr lang="en-US" sz="5000" dirty="0">
               <a:solidFill>
                 <a:srgbClr val="238B45"/>
               </a:solidFill>
@@ -4045,22 +3931,20 @@
       </p:sp>
       <p:sp>
         <p:nvSpPr>
-          <p:cNvPr id="44" name="Flowchart: Alternate Process 43"/>
+          <p:cNvPr id="127" name="Flowchart: Alternate Process 126"/>
           <p:cNvSpPr/>
           <p:nvPr/>
         </p:nvSpPr>
         <p:spPr>
           <a:xfrm>
-            <a:off x="10953173" y="612020"/>
-            <a:ext cx="7402638" cy="1751768"/>
+            <a:off x="10959308" y="238133"/>
+            <a:ext cx="10210800" cy="875884"/>
           </a:xfrm>
           <a:prstGeom prst="flowChartAlternateProcess">
             <a:avLst/>
           </a:prstGeom>
           <a:solidFill>
-            <a:srgbClr val="66C2A4">
-              <a:alpha val="45000"/>
-            </a:srgbClr>
+            <a:srgbClr val="E7E6E6"/>
           </a:solidFill>
           <a:ln>
             <a:noFill/>
@@ -4083,19 +3967,35 @@
           </a:fontRef>
         </p:style>
         <p:txBody>
-          <a:bodyPr rtlCol="0" anchor="t"/>
+          <a:bodyPr rtlCol="0" anchor="ctr"/>
           <a:lstStyle/>
           <a:p>
             <a:pPr algn="ctr"/>
             <a:r>
-              <a:rPr lang="en-US" sz="4800" dirty="0" smtClean="0">
+              <a:rPr lang="en-US" sz="5000" dirty="0" smtClean="0">
                 <a:solidFill>
                   <a:srgbClr val="238B45"/>
                 </a:solidFill>
               </a:rPr>
-              <a:t>Length distribution of MetaTracts in fiber bundle 1</a:t>
-            </a:r>
-            <a:endParaRPr lang="en-US" sz="4800" dirty="0">
+              <a:t>Length </a:t>
+            </a:r>
+            <a:r>
+              <a:rPr lang="en-US" sz="5000" dirty="0">
+                <a:solidFill>
+                  <a:srgbClr val="238B45"/>
+                </a:solidFill>
+              </a:rPr>
+              <a:t>distribution </a:t>
+            </a:r>
+            <a:r>
+              <a:rPr lang="en-US" sz="5000" dirty="0" smtClean="0">
+                <a:solidFill>
+                  <a:srgbClr val="238B45"/>
+                </a:solidFill>
+              </a:rPr>
+              <a:t>in bundle 1</a:t>
+            </a:r>
+            <a:endParaRPr lang="en-US" sz="5000" dirty="0">
               <a:solidFill>
                 <a:srgbClr val="238B45"/>
               </a:solidFill>
@@ -4105,7 +4005,7 @@
       </p:sp>
       <p:sp>
         <p:nvSpPr>
-          <p:cNvPr id="45" name="Teardrop 44"/>
+          <p:cNvPr id="128" name="Teardrop 127"/>
           <p:cNvSpPr>
             <a:spLocks noChangeAspect="1"/>
           </p:cNvSpPr>
@@ -4113,7 +4013,7 @@
         </p:nvSpPr>
         <p:spPr>
           <a:xfrm rot="5400000">
-            <a:off x="10399608" y="-22916"/>
+            <a:off x="10005116" y="-22915"/>
             <a:ext cx="1114016" cy="1159847"/>
           </a:xfrm>
           <a:prstGeom prst="teardrop">
@@ -4161,7 +4061,7 @@
       </p:sp>
       <p:sp>
         <p:nvSpPr>
-          <p:cNvPr id="46" name="Teardrop 45"/>
+          <p:cNvPr id="129" name="Teardrop 128"/>
           <p:cNvSpPr>
             <a:spLocks noChangeAspect="1"/>
           </p:cNvSpPr>
@@ -4169,7 +4069,7 @@
         </p:nvSpPr>
         <p:spPr>
           <a:xfrm rot="5400000">
-            <a:off x="22916" y="-22916"/>
+            <a:off x="22916" y="-22915"/>
             <a:ext cx="1114016" cy="1159847"/>
           </a:xfrm>
           <a:prstGeom prst="teardrop">
@@ -4216,292 +4116,72 @@
           </a:p>
         </p:txBody>
       </p:sp>
-      <p:cxnSp>
-        <p:nvCxnSpPr>
-          <p:cNvPr id="3" name="Straight Connector 2"/>
-          <p:cNvCxnSpPr/>
-          <p:nvPr/>
-        </p:nvCxnSpPr>
-        <p:spPr>
-          <a:xfrm>
-            <a:off x="10104437" y="612020"/>
-            <a:ext cx="0" cy="11960434"/>
-          </a:xfrm>
-          <a:prstGeom prst="line">
-            <a:avLst/>
-          </a:prstGeom>
-          <a:ln w="142875" cap="rnd">
-            <a:solidFill>
-              <a:srgbClr val="238B45">
-                <a:alpha val="85000"/>
-              </a:srgbClr>
-            </a:solidFill>
-            <a:prstDash val="sysDot"/>
-          </a:ln>
-        </p:spPr>
-        <p:style>
-          <a:lnRef idx="1">
-            <a:schemeClr val="accent1"/>
-          </a:lnRef>
-          <a:fillRef idx="0">
-            <a:schemeClr val="accent1"/>
-          </a:fillRef>
-          <a:effectRef idx="0">
-            <a:schemeClr val="accent1"/>
-          </a:effectRef>
-          <a:fontRef idx="minor">
-            <a:schemeClr val="tx1"/>
-          </a:fontRef>
-        </p:style>
-      </p:cxnSp>
-    </p:spTree>
-    <p:extLst>
-      <p:ext uri="{BB962C8B-B14F-4D97-AF65-F5344CB8AC3E}">
-        <p14:creationId xmlns:p14="http://schemas.microsoft.com/office/powerpoint/2010/main" val="4126907988"/>
-      </p:ext>
-    </p:extLst>
-  </p:cSld>
-  <p:clrMapOvr>
-    <a:masterClrMapping/>
-  </p:clrMapOvr>
-  <p:timing>
-    <p:tnLst>
-      <p:par>
-        <p:cTn id="1" dur="indefinite" restart="never" nodeType="tmRoot"/>
-      </p:par>
-    </p:tnLst>
-  </p:timing>
-</p:sld>
-</file>
-
-<file path=ppt/slides/slide2.xml><?xml version="1.0" encoding="utf-8"?>
-<p:sld xmlns:a="http://schemas.openxmlformats.org/drawingml/2006/main" xmlns:r="http://schemas.openxmlformats.org/officeDocument/2006/relationships" xmlns:p="http://schemas.openxmlformats.org/presentationml/2006/main">
-  <p:cSld>
-    <p:spTree>
-      <p:nvGrpSpPr>
-        <p:cNvPr id="1" name=""/>
-        <p:cNvGrpSpPr/>
-        <p:nvPr/>
-      </p:nvGrpSpPr>
-      <p:grpSpPr>
-        <a:xfrm>
-          <a:off x="0" y="0"/>
-          <a:ext cx="0" cy="0"/>
-          <a:chOff x="0" y="0"/>
-          <a:chExt cx="0" cy="0"/>
-        </a:xfrm>
-      </p:grpSpPr>
-      <p:pic>
-        <p:nvPicPr>
-          <p:cNvPr id="26" name="Picture 25"/>
-          <p:cNvPicPr>
-            <a:picLocks noChangeAspect="1"/>
-          </p:cNvPicPr>
-          <p:nvPr/>
-        </p:nvPicPr>
-        <p:blipFill rotWithShape="1">
-          <a:blip r:embed="rId2">
-            <a:extLst>
-              <a:ext uri="{28A0092B-C50C-407E-A947-70E740481C1C}">
-                <a14:useLocalDpi xmlns:a14="http://schemas.microsoft.com/office/drawing/2010/main" val="0"/>
-              </a:ext>
-            </a:extLst>
-          </a:blip>
-          <a:srcRect l="6258" t="9563" r="9615" b="10106"/>
-          <a:stretch/>
-        </p:blipFill>
-        <p:spPr>
-          <a:xfrm>
-            <a:off x="61267" y="2649357"/>
-            <a:ext cx="6459720" cy="5898004"/>
-          </a:xfrm>
-          <a:prstGeom prst="rect">
-            <a:avLst/>
-          </a:prstGeom>
-        </p:spPr>
-      </p:pic>
       <p:grpSp>
         <p:nvGrpSpPr>
-          <p:cNvPr id="27" name="Group 26"/>
+          <p:cNvPr id="130" name="Group 129"/>
           <p:cNvGrpSpPr/>
           <p:nvPr/>
         </p:nvGrpSpPr>
         <p:grpSpPr>
           <a:xfrm>
-            <a:off x="6430041" y="3105786"/>
-            <a:ext cx="3355243" cy="3482595"/>
-            <a:chOff x="10959160" y="4857564"/>
-            <a:chExt cx="2007058" cy="1909417"/>
+            <a:off x="3949522" y="1767709"/>
+            <a:ext cx="5880278" cy="3977453"/>
+            <a:chOff x="4366424" y="2656463"/>
+            <a:chExt cx="5977378" cy="3913326"/>
           </a:xfrm>
         </p:grpSpPr>
-        <p:sp>
-          <p:nvSpPr>
-            <p:cNvPr id="28" name="Oval 27"/>
-            <p:cNvSpPr>
-              <a:spLocks noChangeAspect="1"/>
-            </p:cNvSpPr>
-            <p:nvPr/>
-          </p:nvSpPr>
-          <p:spPr>
-            <a:xfrm>
-              <a:off x="10959160" y="4885593"/>
-              <a:ext cx="1881055" cy="1881388"/>
-            </a:xfrm>
-            <a:prstGeom prst="ellipse">
-              <a:avLst/>
-            </a:prstGeom>
-            <a:noFill/>
-            <a:ln w="127000">
-              <a:solidFill>
-                <a:srgbClr val="00B050"/>
-              </a:solidFill>
-            </a:ln>
-          </p:spPr>
-          <p:style>
-            <a:lnRef idx="2">
-              <a:schemeClr val="accent1">
-                <a:shade val="50000"/>
-              </a:schemeClr>
-            </a:lnRef>
-            <a:fillRef idx="1">
-              <a:schemeClr val="accent1"/>
-            </a:fillRef>
-            <a:effectRef idx="0">
-              <a:schemeClr val="accent1"/>
-            </a:effectRef>
-            <a:fontRef idx="minor">
-              <a:schemeClr val="lt1"/>
-            </a:fontRef>
-          </p:style>
-          <p:txBody>
-            <a:bodyPr rtlCol="0" anchor="ctr"/>
-            <a:lstStyle/>
-            <a:p>
-              <a:pPr algn="ctr"/>
-              <a:endParaRPr lang="en-US"/>
-            </a:p>
-          </p:txBody>
-        </p:sp>
         <p:pic>
           <p:nvPicPr>
-            <p:cNvPr id="29" name="Picture 28"/>
+            <p:cNvPr id="131" name="Picture 130"/>
             <p:cNvPicPr>
               <a:picLocks noChangeAspect="1"/>
             </p:cNvPicPr>
             <p:nvPr/>
           </p:nvPicPr>
-          <p:blipFill>
-            <a:blip r:embed="rId3">
+          <p:blipFill rotWithShape="1">
+            <a:blip r:embed="rId5">
               <a:extLst>
                 <a:ext uri="{28A0092B-C50C-407E-A947-70E740481C1C}">
                   <a14:useLocalDpi xmlns:a14="http://schemas.microsoft.com/office/drawing/2010/main" val="0"/>
                 </a:ext>
               </a:extLst>
             </a:blip>
-            <a:stretch>
-              <a:fillRect/>
-            </a:stretch>
+            <a:srcRect l="30567" r="30797"/>
+            <a:stretch/>
           </p:blipFill>
           <p:spPr>
-            <a:xfrm>
-              <a:off x="10959160" y="4857564"/>
-              <a:ext cx="2007058" cy="1909417"/>
+            <a:xfrm rot="5400000">
+              <a:off x="5474567" y="1548320"/>
+              <a:ext cx="3761091" cy="5977378"/>
             </a:xfrm>
             <a:prstGeom prst="rect">
               <a:avLst/>
             </a:prstGeom>
-          </p:spPr>
-        </p:pic>
-      </p:grpSp>
-      <p:grpSp>
-        <p:nvGrpSpPr>
-          <p:cNvPr id="30" name="Group 29"/>
-          <p:cNvGrpSpPr/>
-          <p:nvPr/>
-        </p:nvGrpSpPr>
-        <p:grpSpPr>
-          <a:xfrm>
-            <a:off x="10550038" y="11366659"/>
-            <a:ext cx="8074285" cy="1590516"/>
-            <a:chOff x="9275068" y="12692612"/>
-            <a:chExt cx="8933858" cy="1590516"/>
-          </a:xfrm>
-        </p:grpSpPr>
-        <p:pic>
-          <p:nvPicPr>
-            <p:cNvPr id="31" name="Picture 30"/>
-            <p:cNvPicPr>
-              <a:picLocks noChangeAspect="1"/>
-            </p:cNvPicPr>
-            <p:nvPr/>
-          </p:nvPicPr>
-          <p:blipFill rotWithShape="1">
-            <a:blip r:embed="rId4">
-              <a:extLst>
-                <a:ext uri="{28A0092B-C50C-407E-A947-70E740481C1C}">
-                  <a14:useLocalDpi xmlns:a14="http://schemas.microsoft.com/office/drawing/2010/main" val="0"/>
-                </a:ext>
-              </a:extLst>
-            </a:blip>
-            <a:srcRect l="22164" t="8371" r="54524" b="6163"/>
-            <a:stretch/>
-          </p:blipFill>
-          <p:spPr>
-            <a:xfrm rot="5400000">
-              <a:off x="12964278" y="9003402"/>
-              <a:ext cx="812367" cy="8190787"/>
-            </a:xfrm>
-            <a:prstGeom prst="rect">
-              <a:avLst/>
-            </a:prstGeom>
+            <a:ln w="107950">
+              <a:solidFill>
+                <a:srgbClr val="66C2A4"/>
+              </a:solidFill>
+            </a:ln>
           </p:spPr>
         </p:pic>
         <p:sp>
           <p:nvSpPr>
-            <p:cNvPr id="32" name="TextBox 31"/>
+            <p:cNvPr id="132" name="TextBox 131"/>
             <p:cNvSpPr txBox="1"/>
             <p:nvPr/>
           </p:nvSpPr>
           <p:spPr>
             <a:xfrm>
-              <a:off x="16722788" y="13513687"/>
-              <a:ext cx="1486138" cy="769441"/>
+              <a:off x="6065836" y="5697153"/>
+              <a:ext cx="2885787" cy="872636"/>
             </a:xfrm>
             <a:prstGeom prst="rect">
               <a:avLst/>
             </a:prstGeom>
             <a:noFill/>
-          </p:spPr>
-          <p:txBody>
-            <a:bodyPr wrap="square" rtlCol="0">
-              <a:spAutoFit/>
-            </a:bodyPr>
-            <a:lstStyle/>
-            <a:p>
-              <a:pPr algn="ctr"/>
-              <a:r>
-                <a:rPr lang="en-US" sz="4400" b="1" dirty="0" smtClean="0"/>
-                <a:t>529</a:t>
-              </a:r>
-              <a:endParaRPr lang="en-US" sz="1600" b="1" dirty="0"/>
-            </a:p>
-          </p:txBody>
-        </p:sp>
-        <p:sp>
-          <p:nvSpPr>
-            <p:cNvPr id="33" name="TextBox 32"/>
-            <p:cNvSpPr txBox="1"/>
-            <p:nvPr/>
-          </p:nvSpPr>
-          <p:spPr>
-            <a:xfrm>
-              <a:off x="15028633" y="13513687"/>
-              <a:ext cx="1486138" cy="769441"/>
-            </a:xfrm>
-            <a:prstGeom prst="rect">
-              <a:avLst/>
-            </a:prstGeom>
-            <a:noFill/>
+            <a:effectLst>
+              <a:softEdge rad="63500"/>
+            </a:effectLst>
           </p:spPr>
           <p:txBody>
             <a:bodyPr wrap="square" rtlCol="0">
@@ -4510,84 +4190,34 @@
             <a:lstStyle/>
             <a:p>
               <a:r>
-                <a:rPr lang="en-US" sz="4400" b="1" dirty="0" smtClean="0"/>
-                <a:t>396</a:t>
+                <a:rPr lang="en-US" sz="4800" dirty="0">
+                  <a:solidFill>
+                    <a:schemeClr val="bg1"/>
+                  </a:solidFill>
+                  <a:effectLst>
+                    <a:glow rad="101600">
+                      <a:schemeClr val="tx1">
+                        <a:alpha val="60000"/>
+                      </a:schemeClr>
+                    </a:glow>
+                  </a:effectLst>
+                </a:rPr>
+                <a:t>Y Z Plane</a:t>
               </a:r>
-              <a:endParaRPr lang="en-US" sz="1600" b="1" dirty="0"/>
-            </a:p>
-          </p:txBody>
-        </p:sp>
-        <p:sp>
-          <p:nvSpPr>
-            <p:cNvPr id="34" name="TextBox 33"/>
-            <p:cNvSpPr txBox="1"/>
-            <p:nvPr/>
-          </p:nvSpPr>
-          <p:spPr>
-            <a:xfrm>
-              <a:off x="12912152" y="13513687"/>
-              <a:ext cx="1486138" cy="769441"/>
-            </a:xfrm>
-            <a:prstGeom prst="rect">
-              <a:avLst/>
-            </a:prstGeom>
-            <a:noFill/>
-          </p:spPr>
-          <p:txBody>
-            <a:bodyPr wrap="square" rtlCol="0">
-              <a:spAutoFit/>
-            </a:bodyPr>
-            <a:lstStyle/>
-            <a:p>
-              <a:r>
-                <a:rPr lang="en-US" sz="4400" b="1" dirty="0" smtClean="0"/>
-                <a:t>264</a:t>
-              </a:r>
-              <a:endParaRPr lang="en-US" sz="1600" b="1" dirty="0"/>
-            </a:p>
-          </p:txBody>
-        </p:sp>
-        <p:sp>
-          <p:nvSpPr>
-            <p:cNvPr id="35" name="TextBox 34"/>
-            <p:cNvSpPr txBox="1"/>
-            <p:nvPr/>
-          </p:nvSpPr>
-          <p:spPr>
-            <a:xfrm>
-              <a:off x="9564465" y="13513687"/>
-              <a:ext cx="1486138" cy="769441"/>
-            </a:xfrm>
-            <a:prstGeom prst="rect">
-              <a:avLst/>
-            </a:prstGeom>
-            <a:noFill/>
-          </p:spPr>
-          <p:txBody>
-            <a:bodyPr wrap="square" rtlCol="0">
-              <a:spAutoFit/>
-            </a:bodyPr>
-            <a:lstStyle/>
-            <a:p>
-              <a:r>
-                <a:rPr lang="en-US" sz="4400" b="1" dirty="0" smtClean="0"/>
-                <a:t>132</a:t>
-              </a:r>
-              <a:endParaRPr lang="en-US" sz="1600" b="1" dirty="0"/>
             </a:p>
           </p:txBody>
         </p:sp>
       </p:grpSp>
       <p:pic>
         <p:nvPicPr>
-          <p:cNvPr id="36" name="Picture 35"/>
+          <p:cNvPr id="133" name="Picture 132"/>
           <p:cNvPicPr>
             <a:picLocks noChangeAspect="1"/>
           </p:cNvPicPr>
           <p:nvPr/>
         </p:nvPicPr>
         <p:blipFill>
-          <a:blip r:embed="rId5">
+          <a:blip r:embed="rId6">
             <a:extLst>
               <a:ext uri="{28A0092B-C50C-407E-A947-70E740481C1C}">
                 <a14:useLocalDpi xmlns:a14="http://schemas.microsoft.com/office/drawing/2010/main" val="0"/>
@@ -4600,648 +4230,229 @@
         </p:blipFill>
         <p:spPr>
           <a:xfrm>
-            <a:off x="11079544" y="2494160"/>
-            <a:ext cx="3624710" cy="3492980"/>
+            <a:off x="2514600" y="4369286"/>
+            <a:ext cx="1325563" cy="1375876"/>
           </a:xfrm>
           <a:prstGeom prst="rect">
             <a:avLst/>
           </a:prstGeom>
         </p:spPr>
       </p:pic>
+      <p:sp>
+        <p:nvSpPr>
+          <p:cNvPr id="134" name="TextBox 133"/>
+          <p:cNvSpPr txBox="1"/>
+          <p:nvPr/>
+        </p:nvSpPr>
+        <p:spPr>
+          <a:xfrm>
+            <a:off x="228600" y="1173162"/>
+            <a:ext cx="2503445" cy="830997"/>
+          </a:xfrm>
+          <a:prstGeom prst="rect">
+            <a:avLst/>
+          </a:prstGeom>
+          <a:noFill/>
+          <a:effectLst>
+            <a:softEdge rad="63500"/>
+          </a:effectLst>
+        </p:spPr>
+        <p:txBody>
+          <a:bodyPr wrap="square" rtlCol="0">
+            <a:spAutoFit/>
+          </a:bodyPr>
+          <a:lstStyle/>
+          <a:p>
+            <a:r>
+              <a:rPr lang="en-US" sz="4800" dirty="0">
+                <a:solidFill>
+                  <a:sysClr val="windowText" lastClr="000000"/>
+                </a:solidFill>
+                <a:effectLst/>
+              </a:rPr>
+              <a:t>Y Z Plane</a:t>
+            </a:r>
+          </a:p>
+        </p:txBody>
+      </p:sp>
       <p:grpSp>
         <p:nvGrpSpPr>
-          <p:cNvPr id="37" name="Group 36"/>
+          <p:cNvPr id="135" name="Group 134"/>
           <p:cNvGrpSpPr/>
           <p:nvPr/>
         </p:nvGrpSpPr>
         <p:grpSpPr>
           <a:xfrm>
-            <a:off x="10893492" y="2942783"/>
-            <a:ext cx="7197431" cy="8130670"/>
-            <a:chOff x="9995038" y="4753567"/>
-            <a:chExt cx="7197431" cy="8130670"/>
+            <a:off x="0" y="1801092"/>
+            <a:ext cx="3659521" cy="3558206"/>
+            <a:chOff x="116534" y="1939231"/>
+            <a:chExt cx="3674187" cy="3572466"/>
           </a:xfrm>
         </p:grpSpPr>
         <p:pic>
           <p:nvPicPr>
-            <p:cNvPr id="38" name="Picture 37"/>
+            <p:cNvPr id="136" name="Picture 135"/>
             <p:cNvPicPr>
               <a:picLocks noChangeAspect="1"/>
             </p:cNvPicPr>
             <p:nvPr/>
           </p:nvPicPr>
           <p:blipFill rotWithShape="1">
-            <a:blip r:embed="rId6">
+            <a:blip r:embed="rId7">
               <a:extLst>
                 <a:ext uri="{28A0092B-C50C-407E-A947-70E740481C1C}">
                   <a14:useLocalDpi xmlns:a14="http://schemas.microsoft.com/office/drawing/2010/main" val="0"/>
                 </a:ext>
               </a:extLst>
             </a:blip>
-            <a:srcRect l="3503" r="8567"/>
+            <a:srcRect l="8609" t="9563" r="9615" b="10106"/>
             <a:stretch/>
           </p:blipFill>
           <p:spPr>
             <a:xfrm>
-              <a:off x="9995038" y="5110199"/>
-              <a:ext cx="7197431" cy="7774038"/>
+              <a:off x="116534" y="2060542"/>
+              <a:ext cx="3674187" cy="3451155"/>
             </a:xfrm>
             <a:prstGeom prst="rect">
               <a:avLst/>
             </a:prstGeom>
           </p:spPr>
         </p:pic>
-        <p:sp>
-          <p:nvSpPr>
-            <p:cNvPr id="39" name="Oval 38"/>
-            <p:cNvSpPr/>
+        <p:grpSp>
+          <p:nvGrpSpPr>
+            <p:cNvPr id="137" name="Group 136"/>
+            <p:cNvGrpSpPr>
+              <a:grpSpLocks noChangeAspect="1"/>
+            </p:cNvGrpSpPr>
             <p:nvPr/>
-          </p:nvSpPr>
-          <p:spPr>
+          </p:nvGrpSpPr>
+          <p:grpSpPr>
             <a:xfrm>
-              <a:off x="12015133" y="4753567"/>
-              <a:ext cx="834190" cy="832104"/>
+              <a:off x="918695" y="1939231"/>
+              <a:ext cx="1957626" cy="3445012"/>
+              <a:chOff x="3477317" y="1289008"/>
+              <a:chExt cx="4070699" cy="7163575"/>
             </a:xfrm>
-            <a:prstGeom prst="ellipse">
-              <a:avLst/>
-            </a:prstGeom>
-            <a:solidFill>
-              <a:schemeClr val="bg1">
-                <a:alpha val="43000"/>
-              </a:schemeClr>
-            </a:solidFill>
-            <a:ln w="76200">
-              <a:solidFill>
+          </p:grpSpPr>
+          <p:cxnSp>
+            <p:nvCxnSpPr>
+              <p:cNvPr id="139" name="Straight Connector 138"/>
+              <p:cNvCxnSpPr/>
+              <p:nvPr/>
+            </p:nvCxnSpPr>
+            <p:spPr>
+              <a:xfrm flipV="1">
+                <a:off x="3519756" y="1289008"/>
+                <a:ext cx="4028260" cy="4171546"/>
+              </a:xfrm>
+              <a:prstGeom prst="line">
+                <a:avLst/>
+              </a:prstGeom>
+              <a:ln w="127000" cap="rnd">
+                <a:solidFill>
+                  <a:srgbClr val="66C2A4"/>
+                </a:solidFill>
+                <a:round/>
+              </a:ln>
+            </p:spPr>
+            <p:style>
+              <a:lnRef idx="1">
+                <a:schemeClr val="accent1"/>
+              </a:lnRef>
+              <a:fillRef idx="0">
+                <a:schemeClr val="accent1"/>
+              </a:fillRef>
+              <a:effectRef idx="0">
+                <a:schemeClr val="accent1"/>
+              </a:effectRef>
+              <a:fontRef idx="minor">
                 <a:schemeClr val="tx1"/>
-              </a:solidFill>
-              <a:prstDash val="sysDash"/>
-            </a:ln>
-          </p:spPr>
-          <p:style>
-            <a:lnRef idx="2">
-              <a:schemeClr val="accent1">
-                <a:shade val="50000"/>
-              </a:schemeClr>
-            </a:lnRef>
-            <a:fillRef idx="1">
-              <a:schemeClr val="accent1"/>
-            </a:fillRef>
-            <a:effectRef idx="0">
-              <a:schemeClr val="accent1"/>
-            </a:effectRef>
-            <a:fontRef idx="minor">
-              <a:schemeClr val="lt1"/>
-            </a:fontRef>
-          </p:style>
-          <p:txBody>
-            <a:bodyPr rtlCol="0" anchor="ctr"/>
-            <a:lstStyle/>
-            <a:p>
-              <a:pPr algn="ctr"/>
-              <a:r>
-                <a:rPr lang="en-US" sz="4400" dirty="0">
-                  <a:ln w="0"/>
-                  <a:solidFill>
-                    <a:schemeClr val="tx1"/>
-                  </a:solidFill>
-                  <a:effectLst>
-                    <a:outerShdw blurRad="38100" dist="19050" dir="2700000" algn="tl" rotWithShape="0">
-                      <a:schemeClr val="dk1">
-                        <a:alpha val="40000"/>
-                      </a:schemeClr>
-                    </a:outerShdw>
-                  </a:effectLst>
-                </a:rPr>
-                <a:t>1</a:t>
-              </a:r>
-              <a:endParaRPr lang="en-US" dirty="0">
-                <a:ln w="0"/>
+              </a:fontRef>
+            </p:style>
+          </p:cxnSp>
+          <p:cxnSp>
+            <p:nvCxnSpPr>
+              <p:cNvPr id="140" name="Straight Connector 139"/>
+              <p:cNvCxnSpPr/>
+              <p:nvPr/>
+            </p:nvCxnSpPr>
+            <p:spPr>
+              <a:xfrm flipV="1">
+                <a:off x="3477317" y="5460554"/>
+                <a:ext cx="42438" cy="2992029"/>
+              </a:xfrm>
+              <a:prstGeom prst="line">
+                <a:avLst/>
+              </a:prstGeom>
+              <a:ln w="127000" cap="rnd">
                 <a:solidFill>
-                  <a:schemeClr val="tx1"/>
+                  <a:srgbClr val="66C2A4"/>
                 </a:solidFill>
-                <a:effectLst>
-                  <a:outerShdw blurRad="38100" dist="19050" dir="2700000" algn="tl" rotWithShape="0">
-                    <a:schemeClr val="dk1">
-                      <a:alpha val="40000"/>
-                    </a:schemeClr>
-                  </a:outerShdw>
-                </a:effectLst>
-              </a:endParaRPr>
-            </a:p>
-          </p:txBody>
-        </p:sp>
+                <a:round/>
+              </a:ln>
+            </p:spPr>
+            <p:style>
+              <a:lnRef idx="1">
+                <a:schemeClr val="accent1"/>
+              </a:lnRef>
+              <a:fillRef idx="0">
+                <a:schemeClr val="accent1"/>
+              </a:fillRef>
+              <a:effectRef idx="0">
+                <a:schemeClr val="accent1"/>
+              </a:effectRef>
+              <a:fontRef idx="minor">
+                <a:schemeClr val="tx1"/>
+              </a:fontRef>
+            </p:style>
+          </p:cxnSp>
+          <p:cxnSp>
+            <p:nvCxnSpPr>
+              <p:cNvPr id="141" name="Straight Connector 140"/>
+              <p:cNvCxnSpPr/>
+              <p:nvPr/>
+            </p:nvCxnSpPr>
+            <p:spPr>
+              <a:xfrm flipH="1" flipV="1">
+                <a:off x="7535650" y="1289008"/>
+                <a:ext cx="12366" cy="585743"/>
+              </a:xfrm>
+              <a:prstGeom prst="line">
+                <a:avLst/>
+              </a:prstGeom>
+              <a:ln w="127000" cap="rnd">
+                <a:solidFill>
+                  <a:srgbClr val="66C2A4"/>
+                </a:solidFill>
+                <a:round/>
+              </a:ln>
+            </p:spPr>
+            <p:style>
+              <a:lnRef idx="1">
+                <a:schemeClr val="accent1"/>
+              </a:lnRef>
+              <a:fillRef idx="0">
+                <a:schemeClr val="accent1"/>
+              </a:fillRef>
+              <a:effectRef idx="0">
+                <a:schemeClr val="accent1"/>
+              </a:effectRef>
+              <a:fontRef idx="minor">
+                <a:schemeClr val="tx1"/>
+              </a:fontRef>
+            </p:style>
+          </p:cxnSp>
+        </p:grpSp>
         <p:cxnSp>
           <p:nvCxnSpPr>
-            <p:cNvPr id="40" name="Straight Connector 39"/>
-            <p:cNvCxnSpPr/>
-            <p:nvPr/>
-          </p:nvCxnSpPr>
-          <p:spPr>
-            <a:xfrm flipH="1">
-              <a:off x="10071238" y="6934200"/>
-              <a:ext cx="1125706" cy="3242640"/>
-            </a:xfrm>
-            <a:prstGeom prst="line">
-              <a:avLst/>
-            </a:prstGeom>
-            <a:ln w="50800">
-              <a:solidFill>
-                <a:srgbClr val="002060"/>
-              </a:solidFill>
-              <a:prstDash val="dash"/>
-            </a:ln>
-          </p:spPr>
-          <p:style>
-            <a:lnRef idx="1">
-              <a:schemeClr val="accent1"/>
-            </a:lnRef>
-            <a:fillRef idx="0">
-              <a:schemeClr val="accent1"/>
-            </a:fillRef>
-            <a:effectRef idx="0">
-              <a:schemeClr val="accent1"/>
-            </a:effectRef>
-            <a:fontRef idx="minor">
-              <a:schemeClr val="tx1"/>
-            </a:fontRef>
-          </p:style>
-        </p:cxnSp>
-        <p:cxnSp>
-          <p:nvCxnSpPr>
-            <p:cNvPr id="41" name="Straight Connector 40"/>
-            <p:cNvCxnSpPr/>
-            <p:nvPr/>
-          </p:nvCxnSpPr>
-          <p:spPr>
-            <a:xfrm>
-              <a:off x="13143620" y="5188346"/>
-              <a:ext cx="1846588" cy="279936"/>
-            </a:xfrm>
-            <a:prstGeom prst="line">
-              <a:avLst/>
-            </a:prstGeom>
-            <a:ln w="50800">
-              <a:solidFill>
-                <a:srgbClr val="002060"/>
-              </a:solidFill>
-              <a:prstDash val="dash"/>
-            </a:ln>
-          </p:spPr>
-          <p:style>
-            <a:lnRef idx="1">
-              <a:schemeClr val="accent1"/>
-            </a:lnRef>
-            <a:fillRef idx="0">
-              <a:schemeClr val="accent1"/>
-            </a:fillRef>
-            <a:effectRef idx="0">
-              <a:schemeClr val="accent1"/>
-            </a:effectRef>
-            <a:fontRef idx="minor">
-              <a:schemeClr val="tx1"/>
-            </a:fontRef>
-          </p:style>
-        </p:cxnSp>
-      </p:grpSp>
-      <p:sp>
-        <p:nvSpPr>
-          <p:cNvPr id="43" name="Flowchart: Alternate Process 42"/>
-          <p:cNvSpPr/>
-          <p:nvPr/>
-        </p:nvSpPr>
-        <p:spPr>
-          <a:xfrm>
-            <a:off x="743744" y="612020"/>
-            <a:ext cx="9144000" cy="1751768"/>
-          </a:xfrm>
-          <a:prstGeom prst="flowChartAlternateProcess">
-            <a:avLst/>
-          </a:prstGeom>
-          <a:solidFill>
-            <a:srgbClr val="66C2A4">
-              <a:alpha val="45000"/>
-            </a:srgbClr>
-          </a:solidFill>
-          <a:ln>
-            <a:noFill/>
-          </a:ln>
-        </p:spPr>
-        <p:style>
-          <a:lnRef idx="2">
-            <a:schemeClr val="accent1">
-              <a:shade val="50000"/>
-            </a:schemeClr>
-          </a:lnRef>
-          <a:fillRef idx="1">
-            <a:schemeClr val="accent1"/>
-          </a:fillRef>
-          <a:effectRef idx="0">
-            <a:schemeClr val="accent1"/>
-          </a:effectRef>
-          <a:fontRef idx="minor">
-            <a:schemeClr val="lt1"/>
-          </a:fontRef>
-        </p:style>
-        <p:txBody>
-          <a:bodyPr rtlCol="0" anchor="t"/>
-          <a:lstStyle/>
-          <a:p>
-            <a:pPr algn="ctr"/>
-            <a:r>
-              <a:rPr lang="en-US" sz="4800" dirty="0" smtClean="0">
-                <a:solidFill>
-                  <a:srgbClr val="238B45"/>
-                </a:solidFill>
-              </a:rPr>
-              <a:t>MetaTracts color mapped to the major axis directions</a:t>
-            </a:r>
-            <a:endParaRPr lang="en-US" sz="4800" dirty="0">
-              <a:solidFill>
-                <a:srgbClr val="238B45"/>
-              </a:solidFill>
-            </a:endParaRPr>
-          </a:p>
-        </p:txBody>
-      </p:sp>
-      <p:sp>
-        <p:nvSpPr>
-          <p:cNvPr id="44" name="Flowchart: Alternate Process 43"/>
-          <p:cNvSpPr/>
-          <p:nvPr/>
-        </p:nvSpPr>
-        <p:spPr>
-          <a:xfrm>
-            <a:off x="10953173" y="612020"/>
-            <a:ext cx="7402638" cy="1751768"/>
-          </a:xfrm>
-          <a:prstGeom prst="flowChartAlternateProcess">
-            <a:avLst/>
-          </a:prstGeom>
-          <a:solidFill>
-            <a:srgbClr val="66C2A4">
-              <a:alpha val="45000"/>
-            </a:srgbClr>
-          </a:solidFill>
-          <a:ln>
-            <a:noFill/>
-          </a:ln>
-        </p:spPr>
-        <p:style>
-          <a:lnRef idx="2">
-            <a:schemeClr val="accent1">
-              <a:shade val="50000"/>
-            </a:schemeClr>
-          </a:lnRef>
-          <a:fillRef idx="1">
-            <a:schemeClr val="accent1"/>
-          </a:fillRef>
-          <a:effectRef idx="0">
-            <a:schemeClr val="accent1"/>
-          </a:effectRef>
-          <a:fontRef idx="minor">
-            <a:schemeClr val="lt1"/>
-          </a:fontRef>
-        </p:style>
-        <p:txBody>
-          <a:bodyPr rtlCol="0" anchor="t"/>
-          <a:lstStyle/>
-          <a:p>
-            <a:pPr algn="ctr"/>
-            <a:r>
-              <a:rPr lang="en-US" sz="4800" dirty="0" smtClean="0">
-                <a:solidFill>
-                  <a:srgbClr val="238B45"/>
-                </a:solidFill>
-              </a:rPr>
-              <a:t>Length distribution of MetaTracts in fiber bundle 1</a:t>
-            </a:r>
-            <a:endParaRPr lang="en-US" sz="4800" dirty="0">
-              <a:solidFill>
-                <a:srgbClr val="238B45"/>
-              </a:solidFill>
-            </a:endParaRPr>
-          </a:p>
-        </p:txBody>
-      </p:sp>
-      <p:sp>
-        <p:nvSpPr>
-          <p:cNvPr id="45" name="Teardrop 44"/>
-          <p:cNvSpPr>
-            <a:spLocks noChangeAspect="1"/>
-          </p:cNvSpPr>
-          <p:nvPr/>
-        </p:nvSpPr>
-        <p:spPr>
-          <a:xfrm rot="5400000">
-            <a:off x="10399608" y="-22916"/>
-            <a:ext cx="1114016" cy="1159847"/>
-          </a:xfrm>
-          <a:prstGeom prst="teardrop">
-            <a:avLst/>
-          </a:prstGeom>
-          <a:solidFill>
-            <a:srgbClr val="238B45"/>
-          </a:solidFill>
-          <a:ln>
-            <a:solidFill>
-              <a:schemeClr val="accent1">
-                <a:shade val="50000"/>
-                <a:alpha val="19000"/>
-              </a:schemeClr>
-            </a:solidFill>
-          </a:ln>
-        </p:spPr>
-        <p:style>
-          <a:lnRef idx="2">
-            <a:schemeClr val="accent1">
-              <a:shade val="50000"/>
-            </a:schemeClr>
-          </a:lnRef>
-          <a:fillRef idx="1">
-            <a:schemeClr val="accent1"/>
-          </a:fillRef>
-          <a:effectRef idx="0">
-            <a:schemeClr val="accent1"/>
-          </a:effectRef>
-          <a:fontRef idx="minor">
-            <a:schemeClr val="lt1"/>
-          </a:fontRef>
-        </p:style>
-        <p:txBody>
-          <a:bodyPr vert="vert270" rtlCol="0" anchor="ctr"/>
-          <a:lstStyle/>
-          <a:p>
-            <a:pPr algn="ctr"/>
-            <a:r>
-              <a:rPr lang="en-US" sz="9600" dirty="0"/>
-              <a:t>B</a:t>
-            </a:r>
-          </a:p>
-        </p:txBody>
-      </p:sp>
-      <p:sp>
-        <p:nvSpPr>
-          <p:cNvPr id="46" name="Teardrop 45"/>
-          <p:cNvSpPr>
-            <a:spLocks noChangeAspect="1"/>
-          </p:cNvSpPr>
-          <p:nvPr/>
-        </p:nvSpPr>
-        <p:spPr>
-          <a:xfrm rot="5400000">
-            <a:off x="22916" y="-22916"/>
-            <a:ext cx="1114016" cy="1159847"/>
-          </a:xfrm>
-          <a:prstGeom prst="teardrop">
-            <a:avLst/>
-          </a:prstGeom>
-          <a:solidFill>
-            <a:srgbClr val="238B45"/>
-          </a:solidFill>
-          <a:ln>
-            <a:solidFill>
-              <a:schemeClr val="accent1">
-                <a:shade val="50000"/>
-                <a:alpha val="19000"/>
-              </a:schemeClr>
-            </a:solidFill>
-          </a:ln>
-        </p:spPr>
-        <p:style>
-          <a:lnRef idx="2">
-            <a:schemeClr val="accent1">
-              <a:shade val="50000"/>
-            </a:schemeClr>
-          </a:lnRef>
-          <a:fillRef idx="1">
-            <a:schemeClr val="accent1"/>
-          </a:fillRef>
-          <a:effectRef idx="0">
-            <a:schemeClr val="accent1"/>
-          </a:effectRef>
-          <a:fontRef idx="minor">
-            <a:schemeClr val="lt1"/>
-          </a:fontRef>
-        </p:style>
-        <p:txBody>
-          <a:bodyPr vert="vert270" rtlCol="0" anchor="ctr"/>
-          <a:lstStyle/>
-          <a:p>
-            <a:pPr algn="ctr"/>
-            <a:r>
-              <a:rPr lang="en-US" sz="9600" dirty="0" smtClean="0"/>
-              <a:t>A</a:t>
-            </a:r>
-            <a:endParaRPr lang="en-US" sz="9600" dirty="0"/>
-          </a:p>
-        </p:txBody>
-      </p:sp>
-      <p:cxnSp>
-        <p:nvCxnSpPr>
-          <p:cNvPr id="3" name="Straight Connector 2"/>
-          <p:cNvCxnSpPr/>
-          <p:nvPr/>
-        </p:nvCxnSpPr>
-        <p:spPr>
-          <a:xfrm>
-            <a:off x="10104437" y="612020"/>
-            <a:ext cx="0" cy="11960434"/>
-          </a:xfrm>
-          <a:prstGeom prst="line">
-            <a:avLst/>
-          </a:prstGeom>
-          <a:ln w="142875" cap="rnd">
-            <a:solidFill>
-              <a:srgbClr val="238B45">
-                <a:alpha val="85000"/>
-              </a:srgbClr>
-            </a:solidFill>
-            <a:prstDash val="sysDot"/>
-          </a:ln>
-        </p:spPr>
-        <p:style>
-          <a:lnRef idx="1">
-            <a:schemeClr val="accent1"/>
-          </a:lnRef>
-          <a:fillRef idx="0">
-            <a:schemeClr val="accent1"/>
-          </a:fillRef>
-          <a:effectRef idx="0">
-            <a:schemeClr val="accent1"/>
-          </a:effectRef>
-          <a:fontRef idx="minor">
-            <a:schemeClr val="tx1"/>
-          </a:fontRef>
-        </p:style>
-      </p:cxnSp>
-      <p:pic>
-        <p:nvPicPr>
-          <p:cNvPr id="2" name="Picture 1"/>
-          <p:cNvPicPr>
-            <a:picLocks noChangeAspect="1"/>
-          </p:cNvPicPr>
-          <p:nvPr/>
-        </p:nvPicPr>
-        <p:blipFill rotWithShape="1">
-          <a:blip r:embed="rId7">
-            <a:extLst>
-              <a:ext uri="{28A0092B-C50C-407E-A947-70E740481C1C}">
-                <a14:useLocalDpi xmlns:a14="http://schemas.microsoft.com/office/drawing/2010/main" val="0"/>
-              </a:ext>
-            </a:extLst>
-          </a:blip>
-          <a:srcRect l="30567" r="30797"/>
-          <a:stretch/>
-        </p:blipFill>
-        <p:spPr>
-          <a:xfrm rot="5400000">
-            <a:off x="4615093" y="7423943"/>
-            <a:ext cx="3978457" cy="6322831"/>
-          </a:xfrm>
-          <a:prstGeom prst="rect">
-            <a:avLst/>
-          </a:prstGeom>
-          <a:ln w="107950">
-            <a:solidFill>
-              <a:srgbClr val="66C2A4"/>
-            </a:solidFill>
-          </a:ln>
-        </p:spPr>
-      </p:pic>
-      <p:grpSp>
-        <p:nvGrpSpPr>
-          <p:cNvPr id="24" name="Group 23"/>
-          <p:cNvGrpSpPr>
-            <a:grpSpLocks noChangeAspect="1"/>
-          </p:cNvGrpSpPr>
-          <p:nvPr/>
-        </p:nvGrpSpPr>
-        <p:grpSpPr>
-          <a:xfrm>
-            <a:off x="1612711" y="2119185"/>
-            <a:ext cx="2780379" cy="6210358"/>
-            <a:chOff x="3477317" y="896181"/>
-            <a:chExt cx="3383004" cy="7556402"/>
-          </a:xfrm>
-        </p:grpSpPr>
-        <p:cxnSp>
-          <p:nvCxnSpPr>
-            <p:cNvPr id="25" name="Straight Connector 24"/>
+            <p:cNvPr id="138" name="Straight Connector 137"/>
             <p:cNvCxnSpPr/>
             <p:nvPr/>
           </p:nvCxnSpPr>
           <p:spPr>
             <a:xfrm flipV="1">
-              <a:off x="3519755" y="896181"/>
-              <a:ext cx="3328200" cy="4564373"/>
-            </a:xfrm>
-            <a:prstGeom prst="line">
-              <a:avLst/>
-            </a:prstGeom>
-            <a:ln w="127000" cap="rnd">
-              <a:solidFill>
-                <a:srgbClr val="66C2A4"/>
-              </a:solidFill>
-              <a:round/>
-            </a:ln>
-          </p:spPr>
-          <p:style>
-            <a:lnRef idx="1">
-              <a:schemeClr val="accent1"/>
-            </a:lnRef>
-            <a:fillRef idx="0">
-              <a:schemeClr val="accent1"/>
-            </a:fillRef>
-            <a:effectRef idx="0">
-              <a:schemeClr val="accent1"/>
-            </a:effectRef>
-            <a:fontRef idx="minor">
-              <a:schemeClr val="tx1"/>
-            </a:fontRef>
-          </p:style>
-        </p:cxnSp>
-        <p:cxnSp>
-          <p:nvCxnSpPr>
-            <p:cNvPr id="42" name="Straight Connector 41"/>
-            <p:cNvCxnSpPr/>
-            <p:nvPr/>
-          </p:nvCxnSpPr>
-          <p:spPr>
-            <a:xfrm flipV="1">
-              <a:off x="3477317" y="5460554"/>
-              <a:ext cx="42438" cy="2992029"/>
-            </a:xfrm>
-            <a:prstGeom prst="line">
-              <a:avLst/>
-            </a:prstGeom>
-            <a:ln w="127000" cap="rnd">
-              <a:solidFill>
-                <a:srgbClr val="66C2A4"/>
-              </a:solidFill>
-              <a:round/>
-            </a:ln>
-          </p:spPr>
-          <p:style>
-            <a:lnRef idx="1">
-              <a:schemeClr val="accent1"/>
-            </a:lnRef>
-            <a:fillRef idx="0">
-              <a:schemeClr val="accent1"/>
-            </a:fillRef>
-            <a:effectRef idx="0">
-              <a:schemeClr val="accent1"/>
-            </a:effectRef>
-            <a:fontRef idx="minor">
-              <a:schemeClr val="tx1"/>
-            </a:fontRef>
-          </p:style>
-        </p:cxnSp>
-        <p:cxnSp>
-          <p:nvCxnSpPr>
-            <p:cNvPr id="47" name="Straight Connector 46"/>
-            <p:cNvCxnSpPr/>
-            <p:nvPr/>
-          </p:nvCxnSpPr>
-          <p:spPr>
-            <a:xfrm flipH="1" flipV="1">
-              <a:off x="6847955" y="896181"/>
-              <a:ext cx="12366" cy="585743"/>
-            </a:xfrm>
-            <a:prstGeom prst="line">
-              <a:avLst/>
-            </a:prstGeom>
-            <a:ln w="127000" cap="rnd">
-              <a:solidFill>
-                <a:srgbClr val="66C2A4"/>
-              </a:solidFill>
-              <a:round/>
-            </a:ln>
-          </p:spPr>
-          <p:style>
-            <a:lnRef idx="1">
-              <a:schemeClr val="accent1"/>
-            </a:lnRef>
-            <a:fillRef idx="0">
-              <a:schemeClr val="accent1"/>
-            </a:fillRef>
-            <a:effectRef idx="0">
-              <a:schemeClr val="accent1"/>
-            </a:effectRef>
-            <a:fontRef idx="minor">
-              <a:schemeClr val="tx1"/>
-            </a:fontRef>
-          </p:style>
-        </p:cxnSp>
-        <p:cxnSp>
-          <p:nvCxnSpPr>
-            <p:cNvPr id="48" name="Straight Connector 47"/>
-            <p:cNvCxnSpPr/>
-            <p:nvPr/>
-          </p:nvCxnSpPr>
-          <p:spPr>
-            <a:xfrm flipV="1">
-              <a:off x="3477317" y="7817615"/>
-              <a:ext cx="396840" cy="634968"/>
+              <a:off x="939104" y="5223288"/>
+              <a:ext cx="155428" cy="160957"/>
             </a:xfrm>
             <a:prstGeom prst="line">
               <a:avLst/>
@@ -5269,91 +4480,6 @@
           </p:style>
         </p:cxnSp>
       </p:grpSp>
-      <p:sp>
-        <p:nvSpPr>
-          <p:cNvPr id="49" name="TextBox 48"/>
-          <p:cNvSpPr txBox="1"/>
-          <p:nvPr/>
-        </p:nvSpPr>
-        <p:spPr>
-          <a:xfrm>
-            <a:off x="7372316" y="7653114"/>
-            <a:ext cx="2503445" cy="830997"/>
-          </a:xfrm>
-          <a:prstGeom prst="rect">
-            <a:avLst/>
-          </a:prstGeom>
-          <a:solidFill>
-            <a:srgbClr val="66C2A4"/>
-          </a:solidFill>
-          <a:effectLst>
-            <a:softEdge rad="63500"/>
-          </a:effectLst>
-        </p:spPr>
-        <p:txBody>
-          <a:bodyPr wrap="square" rtlCol="0">
-            <a:spAutoFit/>
-          </a:bodyPr>
-          <a:lstStyle/>
-          <a:p>
-            <a:r>
-              <a:rPr lang="en-US" sz="4800" dirty="0">
-                <a:solidFill>
-                  <a:schemeClr val="bg1"/>
-                </a:solidFill>
-              </a:rPr>
-              <a:t>Y Z Plane</a:t>
-            </a:r>
-          </a:p>
-        </p:txBody>
-      </p:sp>
-      <p:sp>
-        <p:nvSpPr>
-          <p:cNvPr id="4" name="Arc 3"/>
-          <p:cNvSpPr/>
-          <p:nvPr/>
-        </p:nvSpPr>
-        <p:spPr>
-          <a:xfrm rot="21173301">
-            <a:off x="743744" y="7514478"/>
-            <a:ext cx="2805525" cy="3558975"/>
-          </a:xfrm>
-          <a:prstGeom prst="arc">
-            <a:avLst>
-              <a:gd name="adj1" fmla="val 4095112"/>
-              <a:gd name="adj2" fmla="val 14891637"/>
-            </a:avLst>
-          </a:prstGeom>
-          <a:ln w="117475">
-            <a:solidFill>
-              <a:srgbClr val="238B45"/>
-            </a:solidFill>
-            <a:headEnd type="stealth"/>
-          </a:ln>
-        </p:spPr>
-        <p:style>
-          <a:lnRef idx="1">
-            <a:schemeClr val="accent1"/>
-          </a:lnRef>
-          <a:fillRef idx="0">
-            <a:schemeClr val="accent1"/>
-          </a:fillRef>
-          <a:effectRef idx="0">
-            <a:schemeClr val="accent1"/>
-          </a:effectRef>
-          <a:fontRef idx="minor">
-            <a:schemeClr val="tx1"/>
-          </a:fontRef>
-        </p:style>
-        <p:txBody>
-          <a:bodyPr rtlCol="0" anchor="ctr"/>
-          <a:lstStyle/>
-          <a:p>
-            <a:pPr algn="ctr"/>
-            <a:endParaRPr lang="en-US"/>
-          </a:p>
-        </p:txBody>
-      </p:sp>
     </p:spTree>
     <p:extLst>
       <p:ext uri="{BB962C8B-B14F-4D97-AF65-F5344CB8AC3E}">
